--- a/CLV Analysis On Amazon Prime Users/Amazon Prime Users - CLV Analysis Presentation.pptx
+++ b/CLV Analysis On Amazon Prime Users/Amazon Prime Users - CLV Analysis Presentation.pptx
@@ -5,24 +5,26 @@
     <p:sldMasterId id="2147483648" r:id="rId4"/>
   </p:sldMasterIdLst>
   <p:notesMasterIdLst>
-    <p:notesMasterId r:id="rId17"/>
+    <p:notesMasterId r:id="rId19"/>
   </p:notesMasterIdLst>
   <p:handoutMasterIdLst>
-    <p:handoutMasterId r:id="rId18"/>
+    <p:handoutMasterId r:id="rId20"/>
   </p:handoutMasterIdLst>
   <p:sldIdLst>
     <p:sldId id="256" r:id="rId5"/>
-    <p:sldId id="287" r:id="rId6"/>
-    <p:sldId id="276" r:id="rId7"/>
-    <p:sldId id="288" r:id="rId8"/>
-    <p:sldId id="286" r:id="rId9"/>
-    <p:sldId id="279" r:id="rId10"/>
-    <p:sldId id="289" r:id="rId11"/>
-    <p:sldId id="290" r:id="rId12"/>
-    <p:sldId id="291" r:id="rId13"/>
-    <p:sldId id="292" r:id="rId14"/>
-    <p:sldId id="293" r:id="rId15"/>
-    <p:sldId id="285" r:id="rId16"/>
+    <p:sldId id="294" r:id="rId6"/>
+    <p:sldId id="295" r:id="rId7"/>
+    <p:sldId id="287" r:id="rId8"/>
+    <p:sldId id="276" r:id="rId9"/>
+    <p:sldId id="288" r:id="rId10"/>
+    <p:sldId id="286" r:id="rId11"/>
+    <p:sldId id="279" r:id="rId12"/>
+    <p:sldId id="289" r:id="rId13"/>
+    <p:sldId id="290" r:id="rId14"/>
+    <p:sldId id="291" r:id="rId15"/>
+    <p:sldId id="292" r:id="rId16"/>
+    <p:sldId id="293" r:id="rId17"/>
+    <p:sldId id="285" r:id="rId18"/>
   </p:sldIdLst>
   <p:sldSz cx="12192000" cy="6858000"/>
   <p:notesSz cx="6858000" cy="9144000"/>
@@ -161,6 +163,158 @@
     </p:ext>
   </p:extLst>
 </p:presentation>
+</file>
+
+<file path=ppt/revisionInfo.xml><?xml version="1.0" encoding="utf-8"?>
+<p1510:revInfo xmlns:a="http://schemas.openxmlformats.org/drawingml/2006/main" xmlns:r="http://schemas.openxmlformats.org/officeDocument/2006/relationships" xmlns:p1510="http://schemas.microsoft.com/office/powerpoint/2015/10/main">
+  <p1510:revLst>
+    <p1510:client id="{4B4B0147-10D7-4455-8B74-43589A30DF4C}" v="4" dt="2024-09-02T18:42:50.861"/>
+  </p1510:revLst>
+</p1510:revInfo>
+</file>
+
+<file path=ppt/changesInfos/changesInfo1.xml><?xml version="1.0" encoding="utf-8"?>
+<pc:chgInfo xmlns:a="http://schemas.openxmlformats.org/drawingml/2006/main" xmlns:r="http://schemas.openxmlformats.org/officeDocument/2006/relationships" xmlns:ac="http://schemas.microsoft.com/office/drawing/2013/main/command" xmlns:pc="http://schemas.microsoft.com/office/powerpoint/2013/main/command">
+  <pc:docChgLst>
+    <pc:chgData name="Rukevwe Akpoguma" userId="f535e7fdbadc001f" providerId="LiveId" clId="{4B4B0147-10D7-4455-8B74-43589A30DF4C}"/>
+    <pc:docChg chg="undo custSel addSld delSld modSld sldOrd">
+      <pc:chgData name="Rukevwe Akpoguma" userId="f535e7fdbadc001f" providerId="LiveId" clId="{4B4B0147-10D7-4455-8B74-43589A30DF4C}" dt="2024-09-02T18:45:00.562" v="94" actId="20577"/>
+      <pc:docMkLst>
+        <pc:docMk/>
+      </pc:docMkLst>
+      <pc:sldChg chg="modSp mod">
+        <pc:chgData name="Rukevwe Akpoguma" userId="f535e7fdbadc001f" providerId="LiveId" clId="{4B4B0147-10D7-4455-8B74-43589A30DF4C}" dt="2024-09-02T18:43:36.472" v="85" actId="20577"/>
+        <pc:sldMkLst>
+          <pc:docMk/>
+          <pc:sldMk cId="2539589059" sldId="286"/>
+        </pc:sldMkLst>
+        <pc:spChg chg="mod">
+          <ac:chgData name="Rukevwe Akpoguma" userId="f535e7fdbadc001f" providerId="LiveId" clId="{4B4B0147-10D7-4455-8B74-43589A30DF4C}" dt="2024-09-02T18:43:36.472" v="85" actId="20577"/>
+          <ac:spMkLst>
+            <pc:docMk/>
+            <pc:sldMk cId="2539589059" sldId="286"/>
+            <ac:spMk id="2" creationId="{B802F2D6-7375-B2F7-DCBC-8A0645D2C42E}"/>
+          </ac:spMkLst>
+        </pc:spChg>
+      </pc:sldChg>
+      <pc:sldChg chg="modSp mod">
+        <pc:chgData name="Rukevwe Akpoguma" userId="f535e7fdbadc001f" providerId="LiveId" clId="{4B4B0147-10D7-4455-8B74-43589A30DF4C}" dt="2024-09-02T18:43:15.387" v="83" actId="255"/>
+        <pc:sldMkLst>
+          <pc:docMk/>
+          <pc:sldMk cId="3411170856" sldId="287"/>
+        </pc:sldMkLst>
+        <pc:spChg chg="mod">
+          <ac:chgData name="Rukevwe Akpoguma" userId="f535e7fdbadc001f" providerId="LiveId" clId="{4B4B0147-10D7-4455-8B74-43589A30DF4C}" dt="2024-09-02T18:43:15.387" v="83" actId="255"/>
+          <ac:spMkLst>
+            <pc:docMk/>
+            <pc:sldMk cId="3411170856" sldId="287"/>
+            <ac:spMk id="2" creationId="{B802F2D6-7375-B2F7-DCBC-8A0645D2C42E}"/>
+          </ac:spMkLst>
+        </pc:spChg>
+      </pc:sldChg>
+      <pc:sldChg chg="modSp mod">
+        <pc:chgData name="Rukevwe Akpoguma" userId="f535e7fdbadc001f" providerId="LiveId" clId="{4B4B0147-10D7-4455-8B74-43589A30DF4C}" dt="2024-09-02T18:45:00.562" v="94" actId="20577"/>
+        <pc:sldMkLst>
+          <pc:docMk/>
+          <pc:sldMk cId="3562026196" sldId="293"/>
+        </pc:sldMkLst>
+        <pc:spChg chg="mod">
+          <ac:chgData name="Rukevwe Akpoguma" userId="f535e7fdbadc001f" providerId="LiveId" clId="{4B4B0147-10D7-4455-8B74-43589A30DF4C}" dt="2024-09-02T18:45:00.562" v="94" actId="20577"/>
+          <ac:spMkLst>
+            <pc:docMk/>
+            <pc:sldMk cId="3562026196" sldId="293"/>
+            <ac:spMk id="2" creationId="{B802F2D6-7375-B2F7-DCBC-8A0645D2C42E}"/>
+          </ac:spMkLst>
+        </pc:spChg>
+      </pc:sldChg>
+      <pc:sldChg chg="addSp modSp add mod ord">
+        <pc:chgData name="Rukevwe Akpoguma" userId="f535e7fdbadc001f" providerId="LiveId" clId="{4B4B0147-10D7-4455-8B74-43589A30DF4C}" dt="2024-09-02T18:40:53.162" v="56" actId="1076"/>
+        <pc:sldMkLst>
+          <pc:docMk/>
+          <pc:sldMk cId="1086108160" sldId="294"/>
+        </pc:sldMkLst>
+        <pc:spChg chg="mod">
+          <ac:chgData name="Rukevwe Akpoguma" userId="f535e7fdbadc001f" providerId="LiveId" clId="{4B4B0147-10D7-4455-8B74-43589A30DF4C}" dt="2024-09-02T18:40:50.377" v="55" actId="255"/>
+          <ac:spMkLst>
+            <pc:docMk/>
+            <pc:sldMk cId="1086108160" sldId="294"/>
+            <ac:spMk id="2" creationId="{B802F2D6-7375-B2F7-DCBC-8A0645D2C42E}"/>
+          </ac:spMkLst>
+        </pc:spChg>
+        <pc:spChg chg="mod">
+          <ac:chgData name="Rukevwe Akpoguma" userId="f535e7fdbadc001f" providerId="LiveId" clId="{4B4B0147-10D7-4455-8B74-43589A30DF4C}" dt="2024-09-02T18:36:54.871" v="30" actId="20577"/>
+          <ac:spMkLst>
+            <pc:docMk/>
+            <pc:sldMk cId="1086108160" sldId="294"/>
+            <ac:spMk id="11" creationId="{4E3F5479-058B-4FA8-92E9-18CAB8CDC5C5}"/>
+          </ac:spMkLst>
+        </pc:spChg>
+        <pc:picChg chg="add mod">
+          <ac:chgData name="Rukevwe Akpoguma" userId="f535e7fdbadc001f" providerId="LiveId" clId="{4B4B0147-10D7-4455-8B74-43589A30DF4C}" dt="2024-09-02T18:40:53.162" v="56" actId="1076"/>
+          <ac:picMkLst>
+            <pc:docMk/>
+            <pc:sldMk cId="1086108160" sldId="294"/>
+            <ac:picMk id="6" creationId="{09BA0BBD-D061-AAEB-823C-F896A983A02A}"/>
+          </ac:picMkLst>
+        </pc:picChg>
+        <pc:cxnChg chg="mod">
+          <ac:chgData name="Rukevwe Akpoguma" userId="f535e7fdbadc001f" providerId="LiveId" clId="{4B4B0147-10D7-4455-8B74-43589A30DF4C}" dt="2024-09-02T18:36:58.428" v="31" actId="14100"/>
+          <ac:cxnSpMkLst>
+            <pc:docMk/>
+            <pc:sldMk cId="1086108160" sldId="294"/>
+            <ac:cxnSpMk id="8" creationId="{D0986099-F5F2-4E8B-BE17-81194861A00C}"/>
+          </ac:cxnSpMkLst>
+        </pc:cxnChg>
+        <pc:cxnChg chg="mod">
+          <ac:chgData name="Rukevwe Akpoguma" userId="f535e7fdbadc001f" providerId="LiveId" clId="{4B4B0147-10D7-4455-8B74-43589A30DF4C}" dt="2024-09-02T18:37:02.791" v="32" actId="14100"/>
+          <ac:cxnSpMkLst>
+            <pc:docMk/>
+            <pc:sldMk cId="1086108160" sldId="294"/>
+            <ac:cxnSpMk id="14" creationId="{83E690F4-843A-47A5-8620-4FB01C0D8E68}"/>
+          </ac:cxnSpMkLst>
+        </pc:cxnChg>
+      </pc:sldChg>
+      <pc:sldChg chg="new del">
+        <pc:chgData name="Rukevwe Akpoguma" userId="f535e7fdbadc001f" providerId="LiveId" clId="{4B4B0147-10D7-4455-8B74-43589A30DF4C}" dt="2024-09-02T18:36:33.548" v="1" actId="47"/>
+        <pc:sldMkLst>
+          <pc:docMk/>
+          <pc:sldMk cId="2424545043" sldId="294"/>
+        </pc:sldMkLst>
+      </pc:sldChg>
+      <pc:sldChg chg="addSp delSp modSp add mod">
+        <pc:chgData name="Rukevwe Akpoguma" userId="f535e7fdbadc001f" providerId="LiveId" clId="{4B4B0147-10D7-4455-8B74-43589A30DF4C}" dt="2024-09-02T18:42:58.625" v="82" actId="255"/>
+        <pc:sldMkLst>
+          <pc:docMk/>
+          <pc:sldMk cId="3319739047" sldId="295"/>
+        </pc:sldMkLst>
+        <pc:spChg chg="mod">
+          <ac:chgData name="Rukevwe Akpoguma" userId="f535e7fdbadc001f" providerId="LiveId" clId="{4B4B0147-10D7-4455-8B74-43589A30DF4C}" dt="2024-09-02T18:42:58.625" v="82" actId="255"/>
+          <ac:spMkLst>
+            <pc:docMk/>
+            <pc:sldMk cId="3319739047" sldId="295"/>
+            <ac:spMk id="2" creationId="{B802F2D6-7375-B2F7-DCBC-8A0645D2C42E}"/>
+          </ac:spMkLst>
+        </pc:spChg>
+        <pc:picChg chg="add del mod">
+          <ac:chgData name="Rukevwe Akpoguma" userId="f535e7fdbadc001f" providerId="LiveId" clId="{4B4B0147-10D7-4455-8B74-43589A30DF4C}" dt="2024-09-02T18:42:49.326" v="80" actId="478"/>
+          <ac:picMkLst>
+            <pc:docMk/>
+            <pc:sldMk cId="3319739047" sldId="295"/>
+            <ac:picMk id="3" creationId="{A601C83D-8784-46F6-821F-8E32B9A103C6}"/>
+          </ac:picMkLst>
+        </pc:picChg>
+        <pc:picChg chg="add mod">
+          <ac:chgData name="Rukevwe Akpoguma" userId="f535e7fdbadc001f" providerId="LiveId" clId="{4B4B0147-10D7-4455-8B74-43589A30DF4C}" dt="2024-09-02T18:42:50.124" v="81" actId="1076"/>
+          <ac:picMkLst>
+            <pc:docMk/>
+            <pc:sldMk cId="3319739047" sldId="295"/>
+            <ac:picMk id="5" creationId="{E06FF559-7369-38AF-47CA-230274A38135}"/>
+          </ac:picMkLst>
+        </pc:picChg>
+      </pc:sldChg>
+    </pc:docChg>
+  </pc:docChgLst>
+</pc:chgInfo>
 </file>
 
 <file path=ppt/charts/chart1.xml><?xml version="1.0" encoding="utf-8"?>
@@ -1000,7 +1154,7 @@
           <a:p>
             <a:fld id="{6E5C0719-993D-42E1-80ED-8F01056F36C2}" type="datetimeFigureOut">
               <a:rPr lang="en-US" smtClean="0"/>
-              <a:t>4/29/2024</a:t>
+              <a:t>9/2/2024</a:t>
             </a:fld>
             <a:endParaRPr lang="en-US" dirty="0"/>
           </a:p>
@@ -1177,7 +1331,7 @@
           <a:p>
             <a:fld id="{21D3BC9C-6C58-464F-B94E-FD73C5FB016E}" type="datetimeFigureOut">
               <a:rPr lang="en-US" smtClean="0"/>
-              <a:t>4/29/2024</a:t>
+              <a:t>9/2/2024</a:t>
             </a:fld>
             <a:endParaRPr lang="en-US" dirty="0"/>
           </a:p>
@@ -1602,7 +1756,7 @@
     </p:spTree>
     <p:extLst>
       <p:ext uri="{BB962C8B-B14F-4D97-AF65-F5344CB8AC3E}">
-        <p14:creationId xmlns:p14="http://schemas.microsoft.com/office/powerpoint/2010/main" val="2895736921"/>
+        <p14:creationId xmlns:p14="http://schemas.microsoft.com/office/powerpoint/2010/main" val="1798108488"/>
       </p:ext>
     </p:extLst>
   </p:cSld>
@@ -1686,7 +1840,7 @@
     </p:spTree>
     <p:extLst>
       <p:ext uri="{BB962C8B-B14F-4D97-AF65-F5344CB8AC3E}">
-        <p14:creationId xmlns:p14="http://schemas.microsoft.com/office/powerpoint/2010/main" val="1700820970"/>
+        <p14:creationId xmlns:p14="http://schemas.microsoft.com/office/powerpoint/2010/main" val="1831496924"/>
       </p:ext>
     </p:extLst>
   </p:cSld>
@@ -1762,6 +1916,174 @@
             <a:fld id="{BE60DC36-8EFA-4378-9855-E019C55AC472}" type="slidenum">
               <a:rPr lang="en-US" smtClean="0"/>
               <a:t>12</a:t>
+            </a:fld>
+            <a:endParaRPr lang="en-US" dirty="0"/>
+          </a:p>
+        </p:txBody>
+      </p:sp>
+    </p:spTree>
+    <p:extLst>
+      <p:ext uri="{BB962C8B-B14F-4D97-AF65-F5344CB8AC3E}">
+        <p14:creationId xmlns:p14="http://schemas.microsoft.com/office/powerpoint/2010/main" val="2895736921"/>
+      </p:ext>
+    </p:extLst>
+  </p:cSld>
+  <p:clrMapOvr>
+    <a:masterClrMapping/>
+  </p:clrMapOvr>
+</p:notes>
+</file>
+
+<file path=ppt/notesSlides/notesSlide13.xml><?xml version="1.0" encoding="utf-8"?>
+<p:notes xmlns:a="http://schemas.openxmlformats.org/drawingml/2006/main" xmlns:r="http://schemas.openxmlformats.org/officeDocument/2006/relationships" xmlns:p="http://schemas.openxmlformats.org/presentationml/2006/main">
+  <p:cSld>
+    <p:spTree>
+      <p:nvGrpSpPr>
+        <p:cNvPr id="1" name=""/>
+        <p:cNvGrpSpPr/>
+        <p:nvPr/>
+      </p:nvGrpSpPr>
+      <p:grpSpPr>
+        <a:xfrm>
+          <a:off x="0" y="0"/>
+          <a:ext cx="0" cy="0"/>
+          <a:chOff x="0" y="0"/>
+          <a:chExt cx="0" cy="0"/>
+        </a:xfrm>
+      </p:grpSpPr>
+      <p:sp>
+        <p:nvSpPr>
+          <p:cNvPr id="2" name="Slide Image Placeholder 1"/>
+          <p:cNvSpPr>
+            <a:spLocks noGrp="1" noRot="1" noChangeAspect="1"/>
+          </p:cNvSpPr>
+          <p:nvPr>
+            <p:ph type="sldImg"/>
+          </p:nvPr>
+        </p:nvSpPr>
+        <p:spPr/>
+      </p:sp>
+      <p:sp>
+        <p:nvSpPr>
+          <p:cNvPr id="3" name="Notes Placeholder 2"/>
+          <p:cNvSpPr>
+            <a:spLocks noGrp="1"/>
+          </p:cNvSpPr>
+          <p:nvPr>
+            <p:ph type="body" idx="1"/>
+          </p:nvPr>
+        </p:nvSpPr>
+        <p:spPr/>
+        <p:txBody>
+          <a:bodyPr/>
+          <a:lstStyle/>
+          <a:p>
+            <a:endParaRPr lang="en-US" dirty="0"/>
+          </a:p>
+        </p:txBody>
+      </p:sp>
+      <p:sp>
+        <p:nvSpPr>
+          <p:cNvPr id="4" name="Slide Number Placeholder 3"/>
+          <p:cNvSpPr>
+            <a:spLocks noGrp="1"/>
+          </p:cNvSpPr>
+          <p:nvPr>
+            <p:ph type="sldNum" sz="quarter" idx="5"/>
+          </p:nvPr>
+        </p:nvSpPr>
+        <p:spPr/>
+        <p:txBody>
+          <a:bodyPr/>
+          <a:lstStyle/>
+          <a:p>
+            <a:fld id="{BE60DC36-8EFA-4378-9855-E019C55AC472}" type="slidenum">
+              <a:rPr lang="en-US" smtClean="0"/>
+              <a:t>13</a:t>
+            </a:fld>
+            <a:endParaRPr lang="en-US" dirty="0"/>
+          </a:p>
+        </p:txBody>
+      </p:sp>
+    </p:spTree>
+    <p:extLst>
+      <p:ext uri="{BB962C8B-B14F-4D97-AF65-F5344CB8AC3E}">
+        <p14:creationId xmlns:p14="http://schemas.microsoft.com/office/powerpoint/2010/main" val="1700820970"/>
+      </p:ext>
+    </p:extLst>
+  </p:cSld>
+  <p:clrMapOvr>
+    <a:masterClrMapping/>
+  </p:clrMapOvr>
+</p:notes>
+</file>
+
+<file path=ppt/notesSlides/notesSlide14.xml><?xml version="1.0" encoding="utf-8"?>
+<p:notes xmlns:a="http://schemas.openxmlformats.org/drawingml/2006/main" xmlns:r="http://schemas.openxmlformats.org/officeDocument/2006/relationships" xmlns:p="http://schemas.openxmlformats.org/presentationml/2006/main">
+  <p:cSld>
+    <p:spTree>
+      <p:nvGrpSpPr>
+        <p:cNvPr id="1" name=""/>
+        <p:cNvGrpSpPr/>
+        <p:nvPr/>
+      </p:nvGrpSpPr>
+      <p:grpSpPr>
+        <a:xfrm>
+          <a:off x="0" y="0"/>
+          <a:ext cx="0" cy="0"/>
+          <a:chOff x="0" y="0"/>
+          <a:chExt cx="0" cy="0"/>
+        </a:xfrm>
+      </p:grpSpPr>
+      <p:sp>
+        <p:nvSpPr>
+          <p:cNvPr id="2" name="Slide Image Placeholder 1"/>
+          <p:cNvSpPr>
+            <a:spLocks noGrp="1" noRot="1" noChangeAspect="1"/>
+          </p:cNvSpPr>
+          <p:nvPr>
+            <p:ph type="sldImg"/>
+          </p:nvPr>
+        </p:nvSpPr>
+        <p:spPr/>
+      </p:sp>
+      <p:sp>
+        <p:nvSpPr>
+          <p:cNvPr id="3" name="Notes Placeholder 2"/>
+          <p:cNvSpPr>
+            <a:spLocks noGrp="1"/>
+          </p:cNvSpPr>
+          <p:nvPr>
+            <p:ph type="body" idx="1"/>
+          </p:nvPr>
+        </p:nvSpPr>
+        <p:spPr/>
+        <p:txBody>
+          <a:bodyPr/>
+          <a:lstStyle/>
+          <a:p>
+            <a:endParaRPr lang="en-US" dirty="0"/>
+          </a:p>
+        </p:txBody>
+      </p:sp>
+      <p:sp>
+        <p:nvSpPr>
+          <p:cNvPr id="4" name="Slide Number Placeholder 3"/>
+          <p:cNvSpPr>
+            <a:spLocks noGrp="1"/>
+          </p:cNvSpPr>
+          <p:nvPr>
+            <p:ph type="sldNum" sz="quarter" idx="5"/>
+          </p:nvPr>
+        </p:nvSpPr>
+        <p:spPr/>
+        <p:txBody>
+          <a:bodyPr/>
+          <a:lstStyle/>
+          <a:p>
+            <a:fld id="{BE60DC36-8EFA-4378-9855-E019C55AC472}" type="slidenum">
+              <a:rPr lang="en-US" smtClean="0"/>
+              <a:t>14</a:t>
             </a:fld>
             <a:endParaRPr lang="en-US" dirty="0"/>
           </a:p>
@@ -1854,7 +2176,7 @@
     </p:spTree>
     <p:extLst>
       <p:ext uri="{BB962C8B-B14F-4D97-AF65-F5344CB8AC3E}">
-        <p14:creationId xmlns:p14="http://schemas.microsoft.com/office/powerpoint/2010/main" val="3328724705"/>
+        <p14:creationId xmlns:p14="http://schemas.microsoft.com/office/powerpoint/2010/main" val="1744950298"/>
       </p:ext>
     </p:extLst>
   </p:cSld>
@@ -1938,7 +2260,7 @@
     </p:spTree>
     <p:extLst>
       <p:ext uri="{BB962C8B-B14F-4D97-AF65-F5344CB8AC3E}">
-        <p14:creationId xmlns:p14="http://schemas.microsoft.com/office/powerpoint/2010/main" val="2268654881"/>
+        <p14:creationId xmlns:p14="http://schemas.microsoft.com/office/powerpoint/2010/main" val="2664334429"/>
       </p:ext>
     </p:extLst>
   </p:cSld>
@@ -2022,7 +2344,7 @@
     </p:spTree>
     <p:extLst>
       <p:ext uri="{BB962C8B-B14F-4D97-AF65-F5344CB8AC3E}">
-        <p14:creationId xmlns:p14="http://schemas.microsoft.com/office/powerpoint/2010/main" val="391738899"/>
+        <p14:creationId xmlns:p14="http://schemas.microsoft.com/office/powerpoint/2010/main" val="3328724705"/>
       </p:ext>
     </p:extLst>
   </p:cSld>
@@ -2106,7 +2428,7 @@
     </p:spTree>
     <p:extLst>
       <p:ext uri="{BB962C8B-B14F-4D97-AF65-F5344CB8AC3E}">
-        <p14:creationId xmlns:p14="http://schemas.microsoft.com/office/powerpoint/2010/main" val="869664340"/>
+        <p14:creationId xmlns:p14="http://schemas.microsoft.com/office/powerpoint/2010/main" val="2268654881"/>
       </p:ext>
     </p:extLst>
   </p:cSld>
@@ -2190,7 +2512,7 @@
     </p:spTree>
     <p:extLst>
       <p:ext uri="{BB962C8B-B14F-4D97-AF65-F5344CB8AC3E}">
-        <p14:creationId xmlns:p14="http://schemas.microsoft.com/office/powerpoint/2010/main" val="1171546010"/>
+        <p14:creationId xmlns:p14="http://schemas.microsoft.com/office/powerpoint/2010/main" val="391738899"/>
       </p:ext>
     </p:extLst>
   </p:cSld>
@@ -2274,7 +2596,7 @@
     </p:spTree>
     <p:extLst>
       <p:ext uri="{BB962C8B-B14F-4D97-AF65-F5344CB8AC3E}">
-        <p14:creationId xmlns:p14="http://schemas.microsoft.com/office/powerpoint/2010/main" val="2761093859"/>
+        <p14:creationId xmlns:p14="http://schemas.microsoft.com/office/powerpoint/2010/main" val="869664340"/>
       </p:ext>
     </p:extLst>
   </p:cSld>
@@ -2358,7 +2680,7 @@
     </p:spTree>
     <p:extLst>
       <p:ext uri="{BB962C8B-B14F-4D97-AF65-F5344CB8AC3E}">
-        <p14:creationId xmlns:p14="http://schemas.microsoft.com/office/powerpoint/2010/main" val="1798108488"/>
+        <p14:creationId xmlns:p14="http://schemas.microsoft.com/office/powerpoint/2010/main" val="1171546010"/>
       </p:ext>
     </p:extLst>
   </p:cSld>
@@ -2442,7 +2764,7 @@
     </p:spTree>
     <p:extLst>
       <p:ext uri="{BB962C8B-B14F-4D97-AF65-F5344CB8AC3E}">
-        <p14:creationId xmlns:p14="http://schemas.microsoft.com/office/powerpoint/2010/main" val="1831496924"/>
+        <p14:creationId xmlns:p14="http://schemas.microsoft.com/office/powerpoint/2010/main" val="2761093859"/>
       </p:ext>
     </p:extLst>
   </p:cSld>
@@ -2599,7 +2921,7 @@
           <a:p>
             <a:fld id="{40DA1498-92C7-4E4B-8045-C9195F453964}" type="datetimeFigureOut">
               <a:rPr lang="en-US" smtClean="0"/>
-              <a:t>4/29/2024</a:t>
+              <a:t>9/2/2024</a:t>
             </a:fld>
             <a:endParaRPr lang="en-US" dirty="0"/>
           </a:p>
@@ -2797,7 +3119,7 @@
           <a:p>
             <a:fld id="{40DA1498-92C7-4E4B-8045-C9195F453964}" type="datetimeFigureOut">
               <a:rPr lang="en-US" smtClean="0"/>
-              <a:t>4/29/2024</a:t>
+              <a:t>9/2/2024</a:t>
             </a:fld>
             <a:endParaRPr lang="en-US" dirty="0"/>
           </a:p>
@@ -3005,7 +3327,7 @@
           <a:p>
             <a:fld id="{40DA1498-92C7-4E4B-8045-C9195F453964}" type="datetimeFigureOut">
               <a:rPr lang="en-US" smtClean="0"/>
-              <a:t>4/29/2024</a:t>
+              <a:t>9/2/2024</a:t>
             </a:fld>
             <a:endParaRPr lang="en-US" dirty="0"/>
           </a:p>
@@ -3203,7 +3525,7 @@
           <a:p>
             <a:fld id="{40DA1498-92C7-4E4B-8045-C9195F453964}" type="datetimeFigureOut">
               <a:rPr lang="en-US" smtClean="0"/>
-              <a:t>4/29/2024</a:t>
+              <a:t>9/2/2024</a:t>
             </a:fld>
             <a:endParaRPr lang="en-US" dirty="0"/>
           </a:p>
@@ -3478,7 +3800,7 @@
           <a:p>
             <a:fld id="{40DA1498-92C7-4E4B-8045-C9195F453964}" type="datetimeFigureOut">
               <a:rPr lang="en-US" smtClean="0"/>
-              <a:t>4/29/2024</a:t>
+              <a:t>9/2/2024</a:t>
             </a:fld>
             <a:endParaRPr lang="en-US" dirty="0"/>
           </a:p>
@@ -3743,7 +4065,7 @@
           <a:p>
             <a:fld id="{40DA1498-92C7-4E4B-8045-C9195F453964}" type="datetimeFigureOut">
               <a:rPr lang="en-US" smtClean="0"/>
-              <a:t>4/29/2024</a:t>
+              <a:t>9/2/2024</a:t>
             </a:fld>
             <a:endParaRPr lang="en-US" dirty="0"/>
           </a:p>
@@ -4155,7 +4477,7 @@
           <a:p>
             <a:fld id="{40DA1498-92C7-4E4B-8045-C9195F453964}" type="datetimeFigureOut">
               <a:rPr lang="en-US" smtClean="0"/>
-              <a:t>4/29/2024</a:t>
+              <a:t>9/2/2024</a:t>
             </a:fld>
             <a:endParaRPr lang="en-US" dirty="0"/>
           </a:p>
@@ -4296,7 +4618,7 @@
           <a:p>
             <a:fld id="{40DA1498-92C7-4E4B-8045-C9195F453964}" type="datetimeFigureOut">
               <a:rPr lang="en-US" smtClean="0"/>
-              <a:t>4/29/2024</a:t>
+              <a:t>9/2/2024</a:t>
             </a:fld>
             <a:endParaRPr lang="en-US" dirty="0"/>
           </a:p>
@@ -4409,7 +4731,7 @@
           <a:p>
             <a:fld id="{40DA1498-92C7-4E4B-8045-C9195F453964}" type="datetimeFigureOut">
               <a:rPr lang="en-US" smtClean="0"/>
-              <a:t>4/29/2024</a:t>
+              <a:t>9/2/2024</a:t>
             </a:fld>
             <a:endParaRPr lang="en-US" dirty="0"/>
           </a:p>
@@ -4720,7 +5042,7 @@
           <a:p>
             <a:fld id="{40DA1498-92C7-4E4B-8045-C9195F453964}" type="datetimeFigureOut">
               <a:rPr lang="en-US" smtClean="0"/>
-              <a:t>4/29/2024</a:t>
+              <a:t>9/2/2024</a:t>
             </a:fld>
             <a:endParaRPr lang="en-US" dirty="0"/>
           </a:p>
@@ -5012,7 +5334,7 @@
           <a:p>
             <a:fld id="{40DA1498-92C7-4E4B-8045-C9195F453964}" type="datetimeFigureOut">
               <a:rPr lang="en-US" smtClean="0"/>
-              <a:t>4/29/2024</a:t>
+              <a:t>9/2/2024</a:t>
             </a:fld>
             <a:endParaRPr lang="en-US" dirty="0"/>
           </a:p>
@@ -5253,7 +5575,7 @@
           <a:p>
             <a:fld id="{40DA1498-92C7-4E4B-8045-C9195F453964}" type="datetimeFigureOut">
               <a:rPr lang="en-US" smtClean="0"/>
-              <a:t>4/29/2024</a:t>
+              <a:t>9/2/2024</a:t>
             </a:fld>
             <a:endParaRPr lang="en-US" dirty="0"/>
           </a:p>
@@ -7171,6 +7493,823 @@
         </p:nvCxnSpPr>
         <p:spPr>
           <a:xfrm>
+            <a:off x="9162661" y="522898"/>
+            <a:ext cx="3029339" cy="0"/>
+          </a:xfrm>
+          <a:prstGeom prst="line">
+            <a:avLst/>
+          </a:prstGeom>
+          <a:ln>
+            <a:solidFill>
+              <a:schemeClr val="accent3">
+                <a:lumMod val="50000"/>
+              </a:schemeClr>
+            </a:solidFill>
+            <a:headEnd type="oval"/>
+          </a:ln>
+        </p:spPr>
+        <p:style>
+          <a:lnRef idx="1">
+            <a:schemeClr val="accent1"/>
+          </a:lnRef>
+          <a:fillRef idx="0">
+            <a:schemeClr val="accent1"/>
+          </a:fillRef>
+          <a:effectRef idx="0">
+            <a:schemeClr val="accent1"/>
+          </a:effectRef>
+          <a:fontRef idx="minor">
+            <a:schemeClr val="tx1"/>
+          </a:fontRef>
+        </p:style>
+      </p:cxnSp>
+      <p:sp>
+        <p:nvSpPr>
+          <p:cNvPr id="11" name="Title 1">
+            <a:extLst>
+              <a:ext uri="{FF2B5EF4-FFF2-40B4-BE49-F238E27FC236}">
+                <a16:creationId xmlns:a16="http://schemas.microsoft.com/office/drawing/2014/main" id="{4E3F5479-058B-4FA8-92E9-18CAB8CDC5C5}"/>
+              </a:ext>
+            </a:extLst>
+          </p:cNvPr>
+          <p:cNvSpPr txBox="1">
+            <a:spLocks/>
+          </p:cNvSpPr>
+          <p:nvPr/>
+        </p:nvSpPr>
+        <p:spPr>
+          <a:xfrm>
+            <a:off x="228600" y="190499"/>
+            <a:ext cx="10949473" cy="997196"/>
+          </a:xfrm>
+          <a:prstGeom prst="rect">
+            <a:avLst/>
+          </a:prstGeom>
+        </p:spPr>
+        <p:txBody>
+          <a:bodyPr vert="horz" wrap="square" lIns="0" tIns="0" rIns="0" bIns="0" rtlCol="0" anchor="t">
+            <a:spAutoFit/>
+          </a:bodyPr>
+          <a:lstStyle>
+            <a:lvl1pPr algn="l" defTabSz="914400" rtl="0" eaLnBrk="1" latinLnBrk="0" hangingPunct="1">
+              <a:lnSpc>
+                <a:spcPct val="90000"/>
+              </a:lnSpc>
+              <a:spcBef>
+                <a:spcPct val="0"/>
+              </a:spcBef>
+              <a:buNone/>
+              <a:defRPr sz="4400" kern="1200">
+                <a:solidFill>
+                  <a:schemeClr val="tx1"/>
+                </a:solidFill>
+                <a:latin typeface="+mj-lt"/>
+                <a:ea typeface="+mj-ea"/>
+                <a:cs typeface="+mj-cs"/>
+              </a:defRPr>
+            </a:lvl1pPr>
+          </a:lstStyle>
+          <a:p>
+            <a:pPr algn="ctr"/>
+            <a:r>
+              <a:rPr lang="en-US" b="1" dirty="0">
+                <a:solidFill>
+                  <a:schemeClr val="tx1">
+                    <a:lumMod val="75000"/>
+                    <a:lumOff val="25000"/>
+                  </a:schemeClr>
+                </a:solidFill>
+              </a:rPr>
+              <a:t>SEGMENT CUSTOMERS</a:t>
+            </a:r>
+            <a:br>
+              <a:rPr lang="en-US" sz="2800" dirty="0">
+                <a:solidFill>
+                  <a:schemeClr val="tx1">
+                    <a:lumMod val="75000"/>
+                    <a:lumOff val="25000"/>
+                  </a:schemeClr>
+                </a:solidFill>
+              </a:rPr>
+            </a:br>
+            <a:endParaRPr lang="en-US" sz="2800" dirty="0">
+              <a:solidFill>
+                <a:schemeClr val="tx1">
+                  <a:lumMod val="75000"/>
+                  <a:lumOff val="25000"/>
+                </a:schemeClr>
+              </a:solidFill>
+            </a:endParaRPr>
+          </a:p>
+        </p:txBody>
+      </p:sp>
+      <p:cxnSp>
+        <p:nvCxnSpPr>
+          <p:cNvPr id="14" name="Straight Connector 13">
+            <a:extLst>
+              <a:ext uri="{FF2B5EF4-FFF2-40B4-BE49-F238E27FC236}">
+                <a16:creationId xmlns:a16="http://schemas.microsoft.com/office/drawing/2014/main" id="{83E690F4-843A-47A5-8620-4FB01C0D8E68}"/>
+              </a:ext>
+              <a:ext uri="{C183D7F6-B498-43B3-948B-1728B52AA6E4}">
+                <adec:decorative xmlns:adec="http://schemas.microsoft.com/office/drawing/2017/decorative" val="1"/>
+              </a:ext>
+            </a:extLst>
+          </p:cNvPr>
+          <p:cNvCxnSpPr>
+            <a:cxnSpLocks/>
+          </p:cNvCxnSpPr>
+          <p:nvPr/>
+        </p:nvCxnSpPr>
+        <p:spPr>
+          <a:xfrm>
+            <a:off x="0" y="522898"/>
+            <a:ext cx="2528596" cy="0"/>
+          </a:xfrm>
+          <a:prstGeom prst="line">
+            <a:avLst/>
+          </a:prstGeom>
+          <a:ln>
+            <a:solidFill>
+              <a:schemeClr val="accent3">
+                <a:lumMod val="50000"/>
+              </a:schemeClr>
+            </a:solidFill>
+            <a:tailEnd type="oval"/>
+          </a:ln>
+        </p:spPr>
+        <p:style>
+          <a:lnRef idx="1">
+            <a:schemeClr val="accent1"/>
+          </a:lnRef>
+          <a:fillRef idx="0">
+            <a:schemeClr val="accent1"/>
+          </a:fillRef>
+          <a:effectRef idx="0">
+            <a:schemeClr val="accent1"/>
+          </a:effectRef>
+          <a:fontRef idx="minor">
+            <a:schemeClr val="tx1"/>
+          </a:fontRef>
+        </p:style>
+      </p:cxnSp>
+      <p:sp>
+        <p:nvSpPr>
+          <p:cNvPr id="2" name="TextBox 1">
+            <a:extLst>
+              <a:ext uri="{FF2B5EF4-FFF2-40B4-BE49-F238E27FC236}">
+                <a16:creationId xmlns:a16="http://schemas.microsoft.com/office/drawing/2014/main" id="{B802F2D6-7375-B2F7-DCBC-8A0645D2C42E}"/>
+              </a:ext>
+            </a:extLst>
+          </p:cNvPr>
+          <p:cNvSpPr txBox="1"/>
+          <p:nvPr/>
+        </p:nvSpPr>
+        <p:spPr>
+          <a:xfrm>
+            <a:off x="659363" y="1243096"/>
+            <a:ext cx="10873274" cy="7171194"/>
+          </a:xfrm>
+          <a:prstGeom prst="rect">
+            <a:avLst/>
+          </a:prstGeom>
+          <a:noFill/>
+        </p:spPr>
+        <p:txBody>
+          <a:bodyPr wrap="square" rtlCol="0">
+            <a:spAutoFit/>
+          </a:bodyPr>
+          <a:lstStyle/>
+          <a:p>
+            <a:pPr marL="285750" indent="-285750">
+              <a:buFontTx/>
+              <a:buChar char="-"/>
+            </a:pPr>
+            <a:r>
+              <a:rPr lang="en-US" sz="3200" b="1" dirty="0">
+                <a:highlight>
+                  <a:srgbClr val="FFFFFF"/>
+                </a:highlight>
+              </a:rPr>
+              <a:t>High-Value Segments identified:</a:t>
+            </a:r>
+          </a:p>
+          <a:p>
+            <a:pPr marL="457200" indent="-457200">
+              <a:buFont typeface="Courier New" panose="02070309020205020404" pitchFamily="49" charset="0"/>
+              <a:buChar char="o"/>
+            </a:pPr>
+            <a:r>
+              <a:rPr lang="en-US" sz="3200" b="1" i="0" dirty="0">
+                <a:effectLst/>
+              </a:rPr>
+              <a:t>Monthly Subscribers:</a:t>
+            </a:r>
+            <a:r>
+              <a:rPr lang="en-US" sz="3200" b="0" i="0" dirty="0">
+                <a:effectLst/>
+              </a:rPr>
+              <a:t> Monthly subscribers have a higher CLV than annual subscribers.</a:t>
+            </a:r>
+            <a:endParaRPr lang="en-US" sz="3200" dirty="0"/>
+          </a:p>
+          <a:p>
+            <a:pPr marL="457200" indent="-457200">
+              <a:buFont typeface="Courier New" panose="02070309020205020404" pitchFamily="49" charset="0"/>
+              <a:buChar char="o"/>
+            </a:pPr>
+            <a:r>
+              <a:rPr lang="en-US" sz="3200" b="1" i="0" dirty="0">
+                <a:effectLst/>
+              </a:rPr>
+              <a:t>Electronics Buyers</a:t>
+            </a:r>
+            <a:r>
+              <a:rPr lang="en-US" sz="3200" b="0" i="0" dirty="0">
+                <a:effectLst/>
+              </a:rPr>
+              <a:t>: Of the three categories of products offered, Electronics buyers have the highest CLV but this is no surprise with electronics having higher prices than books and clothing</a:t>
+            </a:r>
+          </a:p>
+          <a:p>
+            <a:pPr marL="457200" indent="-457200">
+              <a:buFont typeface="Courier New" panose="02070309020205020404" pitchFamily="49" charset="0"/>
+              <a:buChar char="o"/>
+            </a:pPr>
+            <a:r>
+              <a:rPr lang="en-US" sz="3200" b="1" i="0" dirty="0">
+                <a:effectLst/>
+              </a:rPr>
+              <a:t>Genres:</a:t>
+            </a:r>
+            <a:r>
+              <a:rPr lang="en-US" sz="3200" b="0" i="0" dirty="0">
+                <a:effectLst/>
+              </a:rPr>
+              <a:t> </a:t>
+            </a:r>
+            <a:r>
+              <a:rPr lang="en-US" sz="3200" b="0" i="0" dirty="0">
+                <a:solidFill>
+                  <a:srgbClr val="000000"/>
+                </a:solidFill>
+                <a:effectLst/>
+              </a:rPr>
+              <a:t>There are also top genres which include action, horror, documentary and romance to be focused on.</a:t>
+            </a:r>
+            <a:endParaRPr lang="en-US" sz="3200" dirty="0"/>
+          </a:p>
+          <a:p>
+            <a:pPr marL="285750" indent="-285750">
+              <a:buFontTx/>
+              <a:buChar char="-"/>
+            </a:pPr>
+            <a:endParaRPr lang="en-US" sz="3200" b="1" dirty="0">
+              <a:solidFill>
+                <a:srgbClr val="0D0D0D"/>
+              </a:solidFill>
+              <a:highlight>
+                <a:srgbClr val="FFFFFF"/>
+              </a:highlight>
+            </a:endParaRPr>
+          </a:p>
+          <a:p>
+            <a:pPr marL="285750" indent="-285750">
+              <a:buFontTx/>
+              <a:buChar char="-"/>
+            </a:pPr>
+            <a:endParaRPr lang="en-US" sz="3200" b="1" dirty="0"/>
+          </a:p>
+          <a:p>
+            <a:pPr lvl="1"/>
+            <a:endParaRPr lang="en-US" dirty="0"/>
+          </a:p>
+          <a:p>
+            <a:pPr marL="285750" indent="-285750">
+              <a:buFontTx/>
+              <a:buChar char="-"/>
+            </a:pPr>
+            <a:endParaRPr lang="en-US" dirty="0"/>
+          </a:p>
+          <a:p>
+            <a:pPr marL="285750" indent="-285750">
+              <a:buFontTx/>
+              <a:buChar char="-"/>
+            </a:pPr>
+            <a:endParaRPr lang="en-US" dirty="0"/>
+          </a:p>
+          <a:p>
+            <a:pPr marL="285750" indent="-285750">
+              <a:buFontTx/>
+              <a:buChar char="-"/>
+            </a:pPr>
+            <a:endParaRPr lang="en-US" dirty="0"/>
+          </a:p>
+          <a:p>
+            <a:pPr marL="285750" indent="-285750">
+              <a:buFontTx/>
+              <a:buChar char="-"/>
+            </a:pPr>
+            <a:endParaRPr lang="en-US" dirty="0"/>
+          </a:p>
+          <a:p>
+            <a:pPr marL="285750" indent="-285750">
+              <a:buFontTx/>
+              <a:buChar char="-"/>
+            </a:pPr>
+            <a:endParaRPr lang="en-CA" dirty="0"/>
+          </a:p>
+        </p:txBody>
+      </p:sp>
+    </p:spTree>
+    <p:extLst>
+      <p:ext uri="{BB962C8B-B14F-4D97-AF65-F5344CB8AC3E}">
+        <p14:creationId xmlns:p14="http://schemas.microsoft.com/office/powerpoint/2010/main" val="3698173141"/>
+      </p:ext>
+    </p:extLst>
+  </p:cSld>
+  <p:clrMapOvr>
+    <a:masterClrMapping/>
+  </p:clrMapOvr>
+</p:sld>
+</file>
+
+<file path=ppt/slides/slide11.xml><?xml version="1.0" encoding="utf-8"?>
+<p:sld xmlns:a="http://schemas.openxmlformats.org/drawingml/2006/main" xmlns:r="http://schemas.openxmlformats.org/officeDocument/2006/relationships" xmlns:p="http://schemas.openxmlformats.org/presentationml/2006/main">
+  <p:cSld>
+    <p:spTree>
+      <p:nvGrpSpPr>
+        <p:cNvPr id="1" name=""/>
+        <p:cNvGrpSpPr/>
+        <p:nvPr/>
+      </p:nvGrpSpPr>
+      <p:grpSpPr>
+        <a:xfrm>
+          <a:off x="0" y="0"/>
+          <a:ext cx="0" cy="0"/>
+          <a:chOff x="0" y="0"/>
+          <a:chExt cx="0" cy="0"/>
+        </a:xfrm>
+      </p:grpSpPr>
+      <p:sp>
+        <p:nvSpPr>
+          <p:cNvPr id="4" name="Title 3" hidden="1">
+            <a:extLst>
+              <a:ext uri="{FF2B5EF4-FFF2-40B4-BE49-F238E27FC236}">
+                <a16:creationId xmlns:a16="http://schemas.microsoft.com/office/drawing/2014/main" id="{B5981CF1-BC08-49F8-B0F9-AAF98EC67450}"/>
+              </a:ext>
+            </a:extLst>
+          </p:cNvPr>
+          <p:cNvSpPr>
+            <a:spLocks noGrp="1"/>
+          </p:cNvSpPr>
+          <p:nvPr>
+            <p:ph type="title" idx="4294967295"/>
+          </p:nvPr>
+        </p:nvSpPr>
+        <p:spPr>
+          <a:xfrm>
+            <a:off x="0" y="365125"/>
+            <a:ext cx="10515600" cy="1325563"/>
+          </a:xfrm>
+        </p:spPr>
+        <p:txBody>
+          <a:bodyPr/>
+          <a:lstStyle/>
+          <a:p>
+            <a:r>
+              <a:rPr lang="en-US" dirty="0"/>
+              <a:t>Project analysis slide 2</a:t>
+            </a:r>
+          </a:p>
+        </p:txBody>
+      </p:sp>
+      <p:cxnSp>
+        <p:nvCxnSpPr>
+          <p:cNvPr id="8" name="Straight Connector 7">
+            <a:extLst>
+              <a:ext uri="{FF2B5EF4-FFF2-40B4-BE49-F238E27FC236}">
+                <a16:creationId xmlns:a16="http://schemas.microsoft.com/office/drawing/2014/main" id="{D0986099-F5F2-4E8B-BE17-81194861A00C}"/>
+              </a:ext>
+              <a:ext uri="{C183D7F6-B498-43B3-948B-1728B52AA6E4}">
+                <adec:decorative xmlns:adec="http://schemas.microsoft.com/office/drawing/2017/decorative" val="1"/>
+              </a:ext>
+            </a:extLst>
+          </p:cNvPr>
+          <p:cNvCxnSpPr>
+            <a:cxnSpLocks/>
+          </p:cNvCxnSpPr>
+          <p:nvPr/>
+        </p:nvCxnSpPr>
+        <p:spPr>
+          <a:xfrm>
+            <a:off x="9162661" y="522898"/>
+            <a:ext cx="3029339" cy="0"/>
+          </a:xfrm>
+          <a:prstGeom prst="line">
+            <a:avLst/>
+          </a:prstGeom>
+          <a:ln>
+            <a:solidFill>
+              <a:schemeClr val="accent3">
+                <a:lumMod val="50000"/>
+              </a:schemeClr>
+            </a:solidFill>
+            <a:headEnd type="oval"/>
+          </a:ln>
+        </p:spPr>
+        <p:style>
+          <a:lnRef idx="1">
+            <a:schemeClr val="accent1"/>
+          </a:lnRef>
+          <a:fillRef idx="0">
+            <a:schemeClr val="accent1"/>
+          </a:fillRef>
+          <a:effectRef idx="0">
+            <a:schemeClr val="accent1"/>
+          </a:effectRef>
+          <a:fontRef idx="minor">
+            <a:schemeClr val="tx1"/>
+          </a:fontRef>
+        </p:style>
+      </p:cxnSp>
+      <p:sp>
+        <p:nvSpPr>
+          <p:cNvPr id="11" name="Title 1">
+            <a:extLst>
+              <a:ext uri="{FF2B5EF4-FFF2-40B4-BE49-F238E27FC236}">
+                <a16:creationId xmlns:a16="http://schemas.microsoft.com/office/drawing/2014/main" id="{4E3F5479-058B-4FA8-92E9-18CAB8CDC5C5}"/>
+              </a:ext>
+            </a:extLst>
+          </p:cNvPr>
+          <p:cNvSpPr txBox="1">
+            <a:spLocks/>
+          </p:cNvSpPr>
+          <p:nvPr/>
+        </p:nvSpPr>
+        <p:spPr>
+          <a:xfrm>
+            <a:off x="228600" y="190499"/>
+            <a:ext cx="10949473" cy="886397"/>
+          </a:xfrm>
+          <a:prstGeom prst="rect">
+            <a:avLst/>
+          </a:prstGeom>
+        </p:spPr>
+        <p:txBody>
+          <a:bodyPr vert="horz" wrap="square" lIns="0" tIns="0" rIns="0" bIns="0" rtlCol="0" anchor="t">
+            <a:spAutoFit/>
+          </a:bodyPr>
+          <a:lstStyle>
+            <a:lvl1pPr algn="l" defTabSz="914400" rtl="0" eaLnBrk="1" latinLnBrk="0" hangingPunct="1">
+              <a:lnSpc>
+                <a:spcPct val="90000"/>
+              </a:lnSpc>
+              <a:spcBef>
+                <a:spcPct val="0"/>
+              </a:spcBef>
+              <a:buNone/>
+              <a:defRPr sz="4400" kern="1200">
+                <a:solidFill>
+                  <a:schemeClr val="tx1"/>
+                </a:solidFill>
+                <a:latin typeface="+mj-lt"/>
+                <a:ea typeface="+mj-ea"/>
+                <a:cs typeface="+mj-cs"/>
+              </a:defRPr>
+            </a:lvl1pPr>
+          </a:lstStyle>
+          <a:p>
+            <a:pPr algn="ctr"/>
+            <a:r>
+              <a:rPr lang="en-US" sz="3600" b="1" dirty="0">
+                <a:solidFill>
+                  <a:schemeClr val="tx1">
+                    <a:lumMod val="75000"/>
+                    <a:lumOff val="25000"/>
+                  </a:schemeClr>
+                </a:solidFill>
+              </a:rPr>
+              <a:t>OPTIMIZE MARKET SPENDING</a:t>
+            </a:r>
+            <a:br>
+              <a:rPr lang="en-US" sz="2800" dirty="0">
+                <a:solidFill>
+                  <a:schemeClr val="tx1">
+                    <a:lumMod val="75000"/>
+                    <a:lumOff val="25000"/>
+                  </a:schemeClr>
+                </a:solidFill>
+              </a:rPr>
+            </a:br>
+            <a:endParaRPr lang="en-US" sz="2800" dirty="0">
+              <a:solidFill>
+                <a:schemeClr val="tx1">
+                  <a:lumMod val="75000"/>
+                  <a:lumOff val="25000"/>
+                </a:schemeClr>
+              </a:solidFill>
+            </a:endParaRPr>
+          </a:p>
+        </p:txBody>
+      </p:sp>
+      <p:cxnSp>
+        <p:nvCxnSpPr>
+          <p:cNvPr id="14" name="Straight Connector 13">
+            <a:extLst>
+              <a:ext uri="{FF2B5EF4-FFF2-40B4-BE49-F238E27FC236}">
+                <a16:creationId xmlns:a16="http://schemas.microsoft.com/office/drawing/2014/main" id="{83E690F4-843A-47A5-8620-4FB01C0D8E68}"/>
+              </a:ext>
+              <a:ext uri="{C183D7F6-B498-43B3-948B-1728B52AA6E4}">
+                <adec:decorative xmlns:adec="http://schemas.microsoft.com/office/drawing/2017/decorative" val="1"/>
+              </a:ext>
+            </a:extLst>
+          </p:cNvPr>
+          <p:cNvCxnSpPr>
+            <a:cxnSpLocks/>
+          </p:cNvCxnSpPr>
+          <p:nvPr/>
+        </p:nvCxnSpPr>
+        <p:spPr>
+          <a:xfrm>
+            <a:off x="0" y="522898"/>
+            <a:ext cx="2351314" cy="0"/>
+          </a:xfrm>
+          <a:prstGeom prst="line">
+            <a:avLst/>
+          </a:prstGeom>
+          <a:ln>
+            <a:solidFill>
+              <a:schemeClr val="accent3">
+                <a:lumMod val="50000"/>
+              </a:schemeClr>
+            </a:solidFill>
+            <a:tailEnd type="oval"/>
+          </a:ln>
+        </p:spPr>
+        <p:style>
+          <a:lnRef idx="1">
+            <a:schemeClr val="accent1"/>
+          </a:lnRef>
+          <a:fillRef idx="0">
+            <a:schemeClr val="accent1"/>
+          </a:fillRef>
+          <a:effectRef idx="0">
+            <a:schemeClr val="accent1"/>
+          </a:effectRef>
+          <a:fontRef idx="minor">
+            <a:schemeClr val="tx1"/>
+          </a:fontRef>
+        </p:style>
+      </p:cxnSp>
+      <p:sp>
+        <p:nvSpPr>
+          <p:cNvPr id="2" name="TextBox 1">
+            <a:extLst>
+              <a:ext uri="{FF2B5EF4-FFF2-40B4-BE49-F238E27FC236}">
+                <a16:creationId xmlns:a16="http://schemas.microsoft.com/office/drawing/2014/main" id="{B802F2D6-7375-B2F7-DCBC-8A0645D2C42E}"/>
+              </a:ext>
+            </a:extLst>
+          </p:cNvPr>
+          <p:cNvSpPr txBox="1"/>
+          <p:nvPr/>
+        </p:nvSpPr>
+        <p:spPr>
+          <a:xfrm>
+            <a:off x="659363" y="1243096"/>
+            <a:ext cx="10873274" cy="6186309"/>
+          </a:xfrm>
+          <a:prstGeom prst="rect">
+            <a:avLst/>
+          </a:prstGeom>
+          <a:noFill/>
+        </p:spPr>
+        <p:txBody>
+          <a:bodyPr wrap="square" rtlCol="0">
+            <a:spAutoFit/>
+          </a:bodyPr>
+          <a:lstStyle/>
+          <a:p>
+            <a:pPr marL="285750" indent="-285750">
+              <a:buFontTx/>
+              <a:buChar char="-"/>
+            </a:pPr>
+            <a:r>
+              <a:rPr lang="en-US" sz="3200" b="0" i="0" dirty="0">
+                <a:solidFill>
+                  <a:srgbClr val="000000"/>
+                </a:solidFill>
+                <a:effectLst/>
+              </a:rPr>
+              <a:t>Concentration should be put on </a:t>
+            </a:r>
+            <a:r>
+              <a:rPr lang="en-US" sz="3200" b="1" i="0" dirty="0">
+                <a:solidFill>
+                  <a:srgbClr val="000000"/>
+                </a:solidFill>
+                <a:effectLst/>
+              </a:rPr>
+              <a:t>making responsive content and providing a seamless user experience</a:t>
+            </a:r>
+            <a:r>
+              <a:rPr lang="en-US" sz="3200" b="0" i="0" dirty="0">
+                <a:solidFill>
+                  <a:srgbClr val="000000"/>
+                </a:solidFill>
+                <a:effectLst/>
+              </a:rPr>
+              <a:t> regardless of the device being used.</a:t>
+            </a:r>
+          </a:p>
+          <a:p>
+            <a:pPr marL="285750" indent="-285750">
+              <a:buFontTx/>
+              <a:buChar char="-"/>
+            </a:pPr>
+            <a:r>
+              <a:rPr lang="en-US" sz="3200" b="1" dirty="0">
+                <a:solidFill>
+                  <a:srgbClr val="000000"/>
+                </a:solidFill>
+              </a:rPr>
+              <a:t>I</a:t>
+            </a:r>
+            <a:r>
+              <a:rPr lang="en-US" sz="3200" b="1" i="0" dirty="0">
+                <a:solidFill>
+                  <a:srgbClr val="000000"/>
+                </a:solidFill>
+                <a:effectLst/>
+              </a:rPr>
+              <a:t>ncreasing electronics sales </a:t>
+            </a:r>
+            <a:r>
+              <a:rPr lang="en-US" sz="3200" b="0" i="0" dirty="0">
+                <a:solidFill>
+                  <a:srgbClr val="000000"/>
+                </a:solidFill>
+                <a:effectLst/>
+              </a:rPr>
+              <a:t>through warranty coverage or exclusive deals and promotions, and the second highest category, books. </a:t>
+            </a:r>
+          </a:p>
+          <a:p>
+            <a:pPr marL="285750" indent="-285750">
+              <a:buFontTx/>
+              <a:buChar char="-"/>
+            </a:pPr>
+            <a:r>
+              <a:rPr lang="en-US" sz="3200" b="0" i="0" dirty="0">
+                <a:solidFill>
+                  <a:srgbClr val="000000"/>
+                </a:solidFill>
+                <a:effectLst/>
+              </a:rPr>
+              <a:t>More resources should be used to </a:t>
+            </a:r>
+            <a:r>
+              <a:rPr lang="en-US" sz="3200" b="1" i="0" dirty="0">
+                <a:solidFill>
+                  <a:srgbClr val="000000"/>
+                </a:solidFill>
+                <a:effectLst/>
+              </a:rPr>
+              <a:t>acquire and market content from these specific genres</a:t>
+            </a:r>
+            <a:r>
+              <a:rPr lang="en-US" sz="3200" b="0" i="0" dirty="0">
+                <a:solidFill>
+                  <a:srgbClr val="000000"/>
+                </a:solidFill>
+                <a:effectLst/>
+              </a:rPr>
+              <a:t> and launch marketing campaigns specifically tailored to promote the content. </a:t>
+            </a:r>
+            <a:endParaRPr lang="en-US" sz="3200" b="1" dirty="0"/>
+          </a:p>
+          <a:p>
+            <a:pPr lvl="1"/>
+            <a:endParaRPr lang="en-US" dirty="0"/>
+          </a:p>
+          <a:p>
+            <a:pPr marL="285750" indent="-285750">
+              <a:buFontTx/>
+              <a:buChar char="-"/>
+            </a:pPr>
+            <a:endParaRPr lang="en-US" dirty="0"/>
+          </a:p>
+          <a:p>
+            <a:pPr marL="285750" indent="-285750">
+              <a:buFontTx/>
+              <a:buChar char="-"/>
+            </a:pPr>
+            <a:endParaRPr lang="en-US" dirty="0"/>
+          </a:p>
+          <a:p>
+            <a:pPr marL="285750" indent="-285750">
+              <a:buFontTx/>
+              <a:buChar char="-"/>
+            </a:pPr>
+            <a:endParaRPr lang="en-US" dirty="0"/>
+          </a:p>
+          <a:p>
+            <a:pPr marL="285750" indent="-285750">
+              <a:buFontTx/>
+              <a:buChar char="-"/>
+            </a:pPr>
+            <a:endParaRPr lang="en-US" dirty="0"/>
+          </a:p>
+          <a:p>
+            <a:pPr marL="285750" indent="-285750">
+              <a:buFontTx/>
+              <a:buChar char="-"/>
+            </a:pPr>
+            <a:endParaRPr lang="en-CA" dirty="0"/>
+          </a:p>
+        </p:txBody>
+      </p:sp>
+    </p:spTree>
+    <p:extLst>
+      <p:ext uri="{BB962C8B-B14F-4D97-AF65-F5344CB8AC3E}">
+        <p14:creationId xmlns:p14="http://schemas.microsoft.com/office/powerpoint/2010/main" val="4293131758"/>
+      </p:ext>
+    </p:extLst>
+  </p:cSld>
+  <p:clrMapOvr>
+    <a:masterClrMapping/>
+  </p:clrMapOvr>
+</p:sld>
+</file>
+
+<file path=ppt/slides/slide12.xml><?xml version="1.0" encoding="utf-8"?>
+<p:sld xmlns:a="http://schemas.openxmlformats.org/drawingml/2006/main" xmlns:r="http://schemas.openxmlformats.org/officeDocument/2006/relationships" xmlns:p="http://schemas.openxmlformats.org/presentationml/2006/main">
+  <p:cSld>
+    <p:spTree>
+      <p:nvGrpSpPr>
+        <p:cNvPr id="1" name=""/>
+        <p:cNvGrpSpPr/>
+        <p:nvPr/>
+      </p:nvGrpSpPr>
+      <p:grpSpPr>
+        <a:xfrm>
+          <a:off x="0" y="0"/>
+          <a:ext cx="0" cy="0"/>
+          <a:chOff x="0" y="0"/>
+          <a:chExt cx="0" cy="0"/>
+        </a:xfrm>
+      </p:grpSpPr>
+      <p:sp>
+        <p:nvSpPr>
+          <p:cNvPr id="4" name="Title 3" hidden="1">
+            <a:extLst>
+              <a:ext uri="{FF2B5EF4-FFF2-40B4-BE49-F238E27FC236}">
+                <a16:creationId xmlns:a16="http://schemas.microsoft.com/office/drawing/2014/main" id="{B5981CF1-BC08-49F8-B0F9-AAF98EC67450}"/>
+              </a:ext>
+            </a:extLst>
+          </p:cNvPr>
+          <p:cNvSpPr>
+            <a:spLocks noGrp="1"/>
+          </p:cNvSpPr>
+          <p:nvPr>
+            <p:ph type="title" idx="4294967295"/>
+          </p:nvPr>
+        </p:nvSpPr>
+        <p:spPr>
+          <a:xfrm>
+            <a:off x="0" y="365125"/>
+            <a:ext cx="10515600" cy="1325563"/>
+          </a:xfrm>
+        </p:spPr>
+        <p:txBody>
+          <a:bodyPr/>
+          <a:lstStyle/>
+          <a:p>
+            <a:r>
+              <a:rPr lang="en-US" dirty="0"/>
+              <a:t>Project analysis slide 2</a:t>
+            </a:r>
+          </a:p>
+        </p:txBody>
+      </p:sp>
+      <p:cxnSp>
+        <p:nvCxnSpPr>
+          <p:cNvPr id="8" name="Straight Connector 7">
+            <a:extLst>
+              <a:ext uri="{FF2B5EF4-FFF2-40B4-BE49-F238E27FC236}">
+                <a16:creationId xmlns:a16="http://schemas.microsoft.com/office/drawing/2014/main" id="{D0986099-F5F2-4E8B-BE17-81194861A00C}"/>
+              </a:ext>
+              <a:ext uri="{C183D7F6-B498-43B3-948B-1728B52AA6E4}">
+                <adec:decorative xmlns:adec="http://schemas.microsoft.com/office/drawing/2017/decorative" val="1"/>
+              </a:ext>
+            </a:extLst>
+          </p:cNvPr>
+          <p:cNvCxnSpPr>
+            <a:cxnSpLocks/>
+          </p:cNvCxnSpPr>
+          <p:nvPr/>
+        </p:nvCxnSpPr>
+        <p:spPr>
+          <a:xfrm>
             <a:off x="9377265" y="522898"/>
             <a:ext cx="2814735" cy="0"/>
           </a:xfrm>
@@ -7508,7 +8647,7 @@
 </p:sld>
 </file>
 
-<file path=ppt/slides/slide11.xml><?xml version="1.0" encoding="utf-8"?>
+<file path=ppt/slides/slide13.xml><?xml version="1.0" encoding="utf-8"?>
 <p:sld xmlns:a="http://schemas.openxmlformats.org/drawingml/2006/main" xmlns:r="http://schemas.openxmlformats.org/officeDocument/2006/relationships" xmlns:p="http://schemas.openxmlformats.org/presentationml/2006/main">
   <p:cSld>
     <p:spTree>
@@ -7751,7 +8890,7 @@
         <p:spPr>
           <a:xfrm>
             <a:off x="659363" y="1243096"/>
-            <a:ext cx="10873274" cy="4647426"/>
+            <a:ext cx="10873274" cy="3539430"/>
           </a:xfrm>
           <a:prstGeom prst="rect">
             <a:avLst/>
@@ -7770,75 +8909,8 @@
             </a:pPr>
             <a:r>
               <a:rPr lang="en-US" sz="3200" dirty="0"/>
-              <a:t>In conclusion, the Customer Lifetime Value (CLV) analysis has provided valuable insights into our business performance and customer relationships:</a:t>
-            </a:r>
-          </a:p>
-          <a:p>
-            <a:pPr marL="457200" indent="-457200">
-              <a:buFont typeface="Courier New" panose="02070309020205020404" pitchFamily="49" charset="0"/>
-              <a:buChar char="o"/>
-            </a:pPr>
-            <a:r>
-              <a:rPr lang="en-US" sz="3200" b="1" dirty="0"/>
-              <a:t>Identified High-Value Segments</a:t>
-            </a:r>
-          </a:p>
-          <a:p>
-            <a:pPr marL="457200" indent="-457200">
-              <a:buFont typeface="Courier New" panose="02070309020205020404" pitchFamily="49" charset="0"/>
-              <a:buChar char="o"/>
-            </a:pPr>
-            <a:r>
-              <a:rPr lang="en-US" sz="3200" b="1" dirty="0"/>
-              <a:t>Improving Customer Experience</a:t>
-            </a:r>
-          </a:p>
-          <a:p>
-            <a:pPr marL="457200" indent="-457200">
-              <a:buFont typeface="Courier New" panose="02070309020205020404" pitchFamily="49" charset="0"/>
-              <a:buChar char="o"/>
-            </a:pPr>
-            <a:r>
-              <a:rPr lang="en-US" sz="3200" b="1" dirty="0"/>
-              <a:t>Driving Long-Term Success</a:t>
-            </a:r>
-          </a:p>
-          <a:p>
-            <a:pPr marL="457200" indent="-457200">
-              <a:buFont typeface="Courier New" panose="02070309020205020404" pitchFamily="49" charset="0"/>
-              <a:buChar char="o"/>
-            </a:pPr>
-            <a:r>
-              <a:rPr lang="en-US" sz="3200" b="1" dirty="0"/>
-              <a:t>Optimizing Marketing Investment</a:t>
-            </a:r>
-          </a:p>
-          <a:p>
-            <a:pPr marL="285750" indent="-285750">
-              <a:buFontTx/>
-              <a:buChar char="-"/>
-            </a:pPr>
-            <a:endParaRPr lang="en-US" dirty="0"/>
-          </a:p>
-          <a:p>
-            <a:pPr marL="285750" indent="-285750">
-              <a:buFontTx/>
-              <a:buChar char="-"/>
-            </a:pPr>
-            <a:endParaRPr lang="en-US" dirty="0"/>
-          </a:p>
-          <a:p>
-            <a:pPr marL="285750" indent="-285750">
-              <a:buFontTx/>
-              <a:buChar char="-"/>
-            </a:pPr>
-            <a:endParaRPr lang="en-US" dirty="0"/>
-          </a:p>
-          <a:p>
-            <a:pPr marL="285750" indent="-285750">
-              <a:buFontTx/>
-              <a:buChar char="-"/>
-            </a:pPr>
+              <a:t>CLV analysis provided valuable insights into the behavior and value of Amazon Prime users over time. Key findings include the identification of high-value user segments, such as those who are frequent subscribers or exhibit high engagement levels. These insights are crucial for developing targeted marketing strategies, optimizing customer retention efforts, and maximizing overall revenue.</a:t>
+            </a:r>
             <a:endParaRPr lang="en-CA" dirty="0"/>
           </a:p>
         </p:txBody>
@@ -7856,7 +8928,7 @@
 </p:sld>
 </file>
 
-<file path=ppt/slides/slide12.xml><?xml version="1.0" encoding="utf-8"?>
+<file path=ppt/slides/slide14.xml><?xml version="1.0" encoding="utf-8"?>
 <p:sld xmlns:a="http://schemas.openxmlformats.org/drawingml/2006/main" xmlns:r="http://schemas.openxmlformats.org/officeDocument/2006/relationships" xmlns:p="http://schemas.openxmlformats.org/presentationml/2006/main">
   <p:cSld>
     <p:bg>
@@ -8144,6 +9216,677 @@
         </p:nvCxnSpPr>
         <p:spPr>
           <a:xfrm>
+            <a:off x="8313576" y="522898"/>
+            <a:ext cx="3878424" cy="0"/>
+          </a:xfrm>
+          <a:prstGeom prst="line">
+            <a:avLst/>
+          </a:prstGeom>
+          <a:ln>
+            <a:solidFill>
+              <a:schemeClr val="accent3">
+                <a:lumMod val="50000"/>
+              </a:schemeClr>
+            </a:solidFill>
+            <a:headEnd type="oval"/>
+          </a:ln>
+        </p:spPr>
+        <p:style>
+          <a:lnRef idx="1">
+            <a:schemeClr val="accent1"/>
+          </a:lnRef>
+          <a:fillRef idx="0">
+            <a:schemeClr val="accent1"/>
+          </a:fillRef>
+          <a:effectRef idx="0">
+            <a:schemeClr val="accent1"/>
+          </a:effectRef>
+          <a:fontRef idx="minor">
+            <a:schemeClr val="tx1"/>
+          </a:fontRef>
+        </p:style>
+      </p:cxnSp>
+      <p:sp>
+        <p:nvSpPr>
+          <p:cNvPr id="11" name="Title 1">
+            <a:extLst>
+              <a:ext uri="{FF2B5EF4-FFF2-40B4-BE49-F238E27FC236}">
+                <a16:creationId xmlns:a16="http://schemas.microsoft.com/office/drawing/2014/main" id="{4E3F5479-058B-4FA8-92E9-18CAB8CDC5C5}"/>
+              </a:ext>
+            </a:extLst>
+          </p:cNvPr>
+          <p:cNvSpPr txBox="1">
+            <a:spLocks/>
+          </p:cNvSpPr>
+          <p:nvPr/>
+        </p:nvSpPr>
+        <p:spPr>
+          <a:xfrm>
+            <a:off x="228600" y="190500"/>
+            <a:ext cx="11734800" cy="1052596"/>
+          </a:xfrm>
+          <a:prstGeom prst="rect">
+            <a:avLst/>
+          </a:prstGeom>
+        </p:spPr>
+        <p:txBody>
+          <a:bodyPr vert="horz" wrap="square" lIns="0" tIns="0" rIns="0" bIns="0" rtlCol="0" anchor="t">
+            <a:spAutoFit/>
+          </a:bodyPr>
+          <a:lstStyle>
+            <a:lvl1pPr algn="l" defTabSz="914400" rtl="0" eaLnBrk="1" latinLnBrk="0" hangingPunct="1">
+              <a:lnSpc>
+                <a:spcPct val="90000"/>
+              </a:lnSpc>
+              <a:spcBef>
+                <a:spcPct val="0"/>
+              </a:spcBef>
+              <a:buNone/>
+              <a:defRPr sz="4400" kern="1200">
+                <a:solidFill>
+                  <a:schemeClr val="tx1"/>
+                </a:solidFill>
+                <a:latin typeface="+mj-lt"/>
+                <a:ea typeface="+mj-ea"/>
+                <a:cs typeface="+mj-cs"/>
+              </a:defRPr>
+            </a:lvl1pPr>
+          </a:lstStyle>
+          <a:p>
+            <a:pPr algn="ctr"/>
+            <a:r>
+              <a:rPr lang="en-US" sz="4800" b="1" dirty="0">
+                <a:solidFill>
+                  <a:schemeClr val="tx1">
+                    <a:lumMod val="75000"/>
+                    <a:lumOff val="25000"/>
+                  </a:schemeClr>
+                </a:solidFill>
+              </a:rPr>
+              <a:t>CLV ANALYSIS</a:t>
+            </a:r>
+            <a:br>
+              <a:rPr lang="en-US" sz="2800" dirty="0">
+                <a:solidFill>
+                  <a:schemeClr val="tx1">
+                    <a:lumMod val="75000"/>
+                    <a:lumOff val="25000"/>
+                  </a:schemeClr>
+                </a:solidFill>
+              </a:rPr>
+            </a:br>
+            <a:endParaRPr lang="en-US" sz="2800" dirty="0">
+              <a:solidFill>
+                <a:schemeClr val="tx1">
+                  <a:lumMod val="75000"/>
+                  <a:lumOff val="25000"/>
+                </a:schemeClr>
+              </a:solidFill>
+            </a:endParaRPr>
+          </a:p>
+        </p:txBody>
+      </p:sp>
+      <p:cxnSp>
+        <p:nvCxnSpPr>
+          <p:cNvPr id="14" name="Straight Connector 13">
+            <a:extLst>
+              <a:ext uri="{FF2B5EF4-FFF2-40B4-BE49-F238E27FC236}">
+                <a16:creationId xmlns:a16="http://schemas.microsoft.com/office/drawing/2014/main" id="{83E690F4-843A-47A5-8620-4FB01C0D8E68}"/>
+              </a:ext>
+              <a:ext uri="{C183D7F6-B498-43B3-948B-1728B52AA6E4}">
+                <adec:decorative xmlns:adec="http://schemas.microsoft.com/office/drawing/2017/decorative" val="1"/>
+              </a:ext>
+            </a:extLst>
+          </p:cNvPr>
+          <p:cNvCxnSpPr>
+            <a:cxnSpLocks/>
+          </p:cNvCxnSpPr>
+          <p:nvPr/>
+        </p:nvCxnSpPr>
+        <p:spPr>
+          <a:xfrm>
+            <a:off x="0" y="522898"/>
+            <a:ext cx="3909527" cy="0"/>
+          </a:xfrm>
+          <a:prstGeom prst="line">
+            <a:avLst/>
+          </a:prstGeom>
+          <a:ln>
+            <a:solidFill>
+              <a:schemeClr val="accent3">
+                <a:lumMod val="50000"/>
+              </a:schemeClr>
+            </a:solidFill>
+            <a:tailEnd type="oval"/>
+          </a:ln>
+        </p:spPr>
+        <p:style>
+          <a:lnRef idx="1">
+            <a:schemeClr val="accent1"/>
+          </a:lnRef>
+          <a:fillRef idx="0">
+            <a:schemeClr val="accent1"/>
+          </a:fillRef>
+          <a:effectRef idx="0">
+            <a:schemeClr val="accent1"/>
+          </a:effectRef>
+          <a:fontRef idx="minor">
+            <a:schemeClr val="tx1"/>
+          </a:fontRef>
+        </p:style>
+      </p:cxnSp>
+      <p:sp>
+        <p:nvSpPr>
+          <p:cNvPr id="2" name="TextBox 1">
+            <a:extLst>
+              <a:ext uri="{FF2B5EF4-FFF2-40B4-BE49-F238E27FC236}">
+                <a16:creationId xmlns:a16="http://schemas.microsoft.com/office/drawing/2014/main" id="{B802F2D6-7375-B2F7-DCBC-8A0645D2C42E}"/>
+              </a:ext>
+            </a:extLst>
+          </p:cNvPr>
+          <p:cNvSpPr txBox="1"/>
+          <p:nvPr/>
+        </p:nvSpPr>
+        <p:spPr>
+          <a:xfrm>
+            <a:off x="444758" y="972892"/>
+            <a:ext cx="5816082" cy="4801314"/>
+          </a:xfrm>
+          <a:prstGeom prst="rect">
+            <a:avLst/>
+          </a:prstGeom>
+          <a:noFill/>
+        </p:spPr>
+        <p:txBody>
+          <a:bodyPr wrap="square" rtlCol="0">
+            <a:spAutoFit/>
+          </a:bodyPr>
+          <a:lstStyle/>
+          <a:p>
+            <a:pPr marL="457200" indent="-457200">
+              <a:buFont typeface="Arial" panose="020B0604020202020204" pitchFamily="34" charset="0"/>
+              <a:buChar char="•"/>
+            </a:pPr>
+            <a:r>
+              <a:rPr lang="en-US" sz="3600" dirty="0"/>
+              <a:t>Customer Lifetime Value (CLV) is a critical metric that measures the total revenue a business can reasonably expect from a customer over the entire duration of their relationship</a:t>
+            </a:r>
+            <a:r>
+              <a:rPr lang="en-US" sz="2800" dirty="0"/>
+              <a:t>. </a:t>
+            </a:r>
+          </a:p>
+          <a:p>
+            <a:pPr marL="285750" indent="-285750">
+              <a:buFontTx/>
+              <a:buChar char="-"/>
+            </a:pPr>
+            <a:endParaRPr lang="en-CA" dirty="0"/>
+          </a:p>
+        </p:txBody>
+      </p:sp>
+      <p:pic>
+        <p:nvPicPr>
+          <p:cNvPr id="6" name="Picture 5">
+            <a:extLst>
+              <a:ext uri="{FF2B5EF4-FFF2-40B4-BE49-F238E27FC236}">
+                <a16:creationId xmlns:a16="http://schemas.microsoft.com/office/drawing/2014/main" id="{09BA0BBD-D061-AAEB-823C-F896A983A02A}"/>
+              </a:ext>
+            </a:extLst>
+          </p:cNvPr>
+          <p:cNvPicPr>
+            <a:picLocks noChangeAspect="1"/>
+          </p:cNvPicPr>
+          <p:nvPr/>
+        </p:nvPicPr>
+        <p:blipFill>
+          <a:blip r:embed="rId3"/>
+          <a:stretch>
+            <a:fillRect/>
+          </a:stretch>
+        </p:blipFill>
+        <p:spPr>
+          <a:xfrm>
+            <a:off x="5910399" y="1012744"/>
+            <a:ext cx="5538264" cy="4832512"/>
+          </a:xfrm>
+          <a:prstGeom prst="rect">
+            <a:avLst/>
+          </a:prstGeom>
+        </p:spPr>
+      </p:pic>
+    </p:spTree>
+    <p:extLst>
+      <p:ext uri="{BB962C8B-B14F-4D97-AF65-F5344CB8AC3E}">
+        <p14:creationId xmlns:p14="http://schemas.microsoft.com/office/powerpoint/2010/main" val="1086108160"/>
+      </p:ext>
+    </p:extLst>
+  </p:cSld>
+  <p:clrMapOvr>
+    <a:masterClrMapping/>
+  </p:clrMapOvr>
+</p:sld>
+</file>
+
+<file path=ppt/slides/slide3.xml><?xml version="1.0" encoding="utf-8"?>
+<p:sld xmlns:a="http://schemas.openxmlformats.org/drawingml/2006/main" xmlns:r="http://schemas.openxmlformats.org/officeDocument/2006/relationships" xmlns:p="http://schemas.openxmlformats.org/presentationml/2006/main">
+  <p:cSld>
+    <p:spTree>
+      <p:nvGrpSpPr>
+        <p:cNvPr id="1" name=""/>
+        <p:cNvGrpSpPr/>
+        <p:nvPr/>
+      </p:nvGrpSpPr>
+      <p:grpSpPr>
+        <a:xfrm>
+          <a:off x="0" y="0"/>
+          <a:ext cx="0" cy="0"/>
+          <a:chOff x="0" y="0"/>
+          <a:chExt cx="0" cy="0"/>
+        </a:xfrm>
+      </p:grpSpPr>
+      <p:sp>
+        <p:nvSpPr>
+          <p:cNvPr id="4" name="Title 3" hidden="1">
+            <a:extLst>
+              <a:ext uri="{FF2B5EF4-FFF2-40B4-BE49-F238E27FC236}">
+                <a16:creationId xmlns:a16="http://schemas.microsoft.com/office/drawing/2014/main" id="{B5981CF1-BC08-49F8-B0F9-AAF98EC67450}"/>
+              </a:ext>
+            </a:extLst>
+          </p:cNvPr>
+          <p:cNvSpPr>
+            <a:spLocks noGrp="1"/>
+          </p:cNvSpPr>
+          <p:nvPr>
+            <p:ph type="title" idx="4294967295"/>
+          </p:nvPr>
+        </p:nvSpPr>
+        <p:spPr>
+          <a:xfrm>
+            <a:off x="0" y="365125"/>
+            <a:ext cx="10515600" cy="1325563"/>
+          </a:xfrm>
+        </p:spPr>
+        <p:txBody>
+          <a:bodyPr/>
+          <a:lstStyle/>
+          <a:p>
+            <a:r>
+              <a:rPr lang="en-US" dirty="0"/>
+              <a:t>Project analysis slide 2</a:t>
+            </a:r>
+          </a:p>
+        </p:txBody>
+      </p:sp>
+      <p:cxnSp>
+        <p:nvCxnSpPr>
+          <p:cNvPr id="8" name="Straight Connector 7">
+            <a:extLst>
+              <a:ext uri="{FF2B5EF4-FFF2-40B4-BE49-F238E27FC236}">
+                <a16:creationId xmlns:a16="http://schemas.microsoft.com/office/drawing/2014/main" id="{D0986099-F5F2-4E8B-BE17-81194861A00C}"/>
+              </a:ext>
+              <a:ext uri="{C183D7F6-B498-43B3-948B-1728B52AA6E4}">
+                <adec:decorative xmlns:adec="http://schemas.microsoft.com/office/drawing/2017/decorative" val="1"/>
+              </a:ext>
+            </a:extLst>
+          </p:cNvPr>
+          <p:cNvCxnSpPr>
+            <a:cxnSpLocks/>
+          </p:cNvCxnSpPr>
+          <p:nvPr/>
+        </p:nvCxnSpPr>
+        <p:spPr>
+          <a:xfrm>
+            <a:off x="8313576" y="522898"/>
+            <a:ext cx="3878424" cy="0"/>
+          </a:xfrm>
+          <a:prstGeom prst="line">
+            <a:avLst/>
+          </a:prstGeom>
+          <a:ln>
+            <a:solidFill>
+              <a:schemeClr val="accent3">
+                <a:lumMod val="50000"/>
+              </a:schemeClr>
+            </a:solidFill>
+            <a:headEnd type="oval"/>
+          </a:ln>
+        </p:spPr>
+        <p:style>
+          <a:lnRef idx="1">
+            <a:schemeClr val="accent1"/>
+          </a:lnRef>
+          <a:fillRef idx="0">
+            <a:schemeClr val="accent1"/>
+          </a:fillRef>
+          <a:effectRef idx="0">
+            <a:schemeClr val="accent1"/>
+          </a:effectRef>
+          <a:fontRef idx="minor">
+            <a:schemeClr val="tx1"/>
+          </a:fontRef>
+        </p:style>
+      </p:cxnSp>
+      <p:sp>
+        <p:nvSpPr>
+          <p:cNvPr id="11" name="Title 1">
+            <a:extLst>
+              <a:ext uri="{FF2B5EF4-FFF2-40B4-BE49-F238E27FC236}">
+                <a16:creationId xmlns:a16="http://schemas.microsoft.com/office/drawing/2014/main" id="{4E3F5479-058B-4FA8-92E9-18CAB8CDC5C5}"/>
+              </a:ext>
+            </a:extLst>
+          </p:cNvPr>
+          <p:cNvSpPr txBox="1">
+            <a:spLocks/>
+          </p:cNvSpPr>
+          <p:nvPr/>
+        </p:nvSpPr>
+        <p:spPr>
+          <a:xfrm>
+            <a:off x="228600" y="190500"/>
+            <a:ext cx="11734800" cy="1052596"/>
+          </a:xfrm>
+          <a:prstGeom prst="rect">
+            <a:avLst/>
+          </a:prstGeom>
+        </p:spPr>
+        <p:txBody>
+          <a:bodyPr vert="horz" wrap="square" lIns="0" tIns="0" rIns="0" bIns="0" rtlCol="0" anchor="t">
+            <a:spAutoFit/>
+          </a:bodyPr>
+          <a:lstStyle>
+            <a:lvl1pPr algn="l" defTabSz="914400" rtl="0" eaLnBrk="1" latinLnBrk="0" hangingPunct="1">
+              <a:lnSpc>
+                <a:spcPct val="90000"/>
+              </a:lnSpc>
+              <a:spcBef>
+                <a:spcPct val="0"/>
+              </a:spcBef>
+              <a:buNone/>
+              <a:defRPr sz="4400" kern="1200">
+                <a:solidFill>
+                  <a:schemeClr val="tx1"/>
+                </a:solidFill>
+                <a:latin typeface="+mj-lt"/>
+                <a:ea typeface="+mj-ea"/>
+                <a:cs typeface="+mj-cs"/>
+              </a:defRPr>
+            </a:lvl1pPr>
+          </a:lstStyle>
+          <a:p>
+            <a:pPr algn="ctr"/>
+            <a:r>
+              <a:rPr lang="en-US" sz="4800" b="1" dirty="0">
+                <a:solidFill>
+                  <a:schemeClr val="tx1">
+                    <a:lumMod val="75000"/>
+                    <a:lumOff val="25000"/>
+                  </a:schemeClr>
+                </a:solidFill>
+              </a:rPr>
+              <a:t>CLV ANALYSIS</a:t>
+            </a:r>
+            <a:br>
+              <a:rPr lang="en-US" sz="2800" dirty="0">
+                <a:solidFill>
+                  <a:schemeClr val="tx1">
+                    <a:lumMod val="75000"/>
+                    <a:lumOff val="25000"/>
+                  </a:schemeClr>
+                </a:solidFill>
+              </a:rPr>
+            </a:br>
+            <a:endParaRPr lang="en-US" sz="2800" dirty="0">
+              <a:solidFill>
+                <a:schemeClr val="tx1">
+                  <a:lumMod val="75000"/>
+                  <a:lumOff val="25000"/>
+                </a:schemeClr>
+              </a:solidFill>
+            </a:endParaRPr>
+          </a:p>
+        </p:txBody>
+      </p:sp>
+      <p:cxnSp>
+        <p:nvCxnSpPr>
+          <p:cNvPr id="14" name="Straight Connector 13">
+            <a:extLst>
+              <a:ext uri="{FF2B5EF4-FFF2-40B4-BE49-F238E27FC236}">
+                <a16:creationId xmlns:a16="http://schemas.microsoft.com/office/drawing/2014/main" id="{83E690F4-843A-47A5-8620-4FB01C0D8E68}"/>
+              </a:ext>
+              <a:ext uri="{C183D7F6-B498-43B3-948B-1728B52AA6E4}">
+                <adec:decorative xmlns:adec="http://schemas.microsoft.com/office/drawing/2017/decorative" val="1"/>
+              </a:ext>
+            </a:extLst>
+          </p:cNvPr>
+          <p:cNvCxnSpPr>
+            <a:cxnSpLocks/>
+          </p:cNvCxnSpPr>
+          <p:nvPr/>
+        </p:nvCxnSpPr>
+        <p:spPr>
+          <a:xfrm>
+            <a:off x="0" y="522898"/>
+            <a:ext cx="3909527" cy="0"/>
+          </a:xfrm>
+          <a:prstGeom prst="line">
+            <a:avLst/>
+          </a:prstGeom>
+          <a:ln>
+            <a:solidFill>
+              <a:schemeClr val="accent3">
+                <a:lumMod val="50000"/>
+              </a:schemeClr>
+            </a:solidFill>
+            <a:tailEnd type="oval"/>
+          </a:ln>
+        </p:spPr>
+        <p:style>
+          <a:lnRef idx="1">
+            <a:schemeClr val="accent1"/>
+          </a:lnRef>
+          <a:fillRef idx="0">
+            <a:schemeClr val="accent1"/>
+          </a:fillRef>
+          <a:effectRef idx="0">
+            <a:schemeClr val="accent1"/>
+          </a:effectRef>
+          <a:fontRef idx="minor">
+            <a:schemeClr val="tx1"/>
+          </a:fontRef>
+        </p:style>
+      </p:cxnSp>
+      <p:sp>
+        <p:nvSpPr>
+          <p:cNvPr id="2" name="TextBox 1">
+            <a:extLst>
+              <a:ext uri="{FF2B5EF4-FFF2-40B4-BE49-F238E27FC236}">
+                <a16:creationId xmlns:a16="http://schemas.microsoft.com/office/drawing/2014/main" id="{B802F2D6-7375-B2F7-DCBC-8A0645D2C42E}"/>
+              </a:ext>
+            </a:extLst>
+          </p:cNvPr>
+          <p:cNvSpPr txBox="1"/>
+          <p:nvPr/>
+        </p:nvSpPr>
+        <p:spPr>
+          <a:xfrm>
+            <a:off x="547396" y="982222"/>
+            <a:ext cx="6487886" cy="6678751"/>
+          </a:xfrm>
+          <a:prstGeom prst="rect">
+            <a:avLst/>
+          </a:prstGeom>
+          <a:noFill/>
+        </p:spPr>
+        <p:txBody>
+          <a:bodyPr wrap="square" rtlCol="0">
+            <a:spAutoFit/>
+          </a:bodyPr>
+          <a:lstStyle/>
+          <a:p>
+            <a:pPr marL="457200" indent="-457200">
+              <a:buFont typeface="Arial" panose="020B0604020202020204" pitchFamily="34" charset="0"/>
+              <a:buChar char="•"/>
+            </a:pPr>
+            <a:r>
+              <a:rPr lang="en-US" sz="3200" dirty="0"/>
+              <a:t>For Amazon Prime users, understanding CLV is essential for optimizing customer retention strategies, pricing models, and marketing efforts. By analyzing CLV, Amazon can identify high-value customer segments, predict future revenue streams, and allocate resources more efficiently to maximize profitability.</a:t>
+            </a:r>
+            <a:endParaRPr lang="en-CA" sz="3200" dirty="0"/>
+          </a:p>
+          <a:p>
+            <a:pPr lvl="1"/>
+            <a:endParaRPr lang="en-US" dirty="0"/>
+          </a:p>
+          <a:p>
+            <a:pPr marL="285750" indent="-285750">
+              <a:buFontTx/>
+              <a:buChar char="-"/>
+            </a:pPr>
+            <a:endParaRPr lang="en-US" dirty="0"/>
+          </a:p>
+          <a:p>
+            <a:pPr marL="285750" indent="-285750">
+              <a:buFontTx/>
+              <a:buChar char="-"/>
+            </a:pPr>
+            <a:endParaRPr lang="en-US" dirty="0"/>
+          </a:p>
+          <a:p>
+            <a:pPr marL="285750" indent="-285750">
+              <a:buFontTx/>
+              <a:buChar char="-"/>
+            </a:pPr>
+            <a:endParaRPr lang="en-US" dirty="0"/>
+          </a:p>
+          <a:p>
+            <a:pPr marL="285750" indent="-285750">
+              <a:buFontTx/>
+              <a:buChar char="-"/>
+            </a:pPr>
+            <a:endParaRPr lang="en-US" dirty="0"/>
+          </a:p>
+          <a:p>
+            <a:pPr marL="285750" indent="-285750">
+              <a:buFontTx/>
+              <a:buChar char="-"/>
+            </a:pPr>
+            <a:endParaRPr lang="en-CA" dirty="0"/>
+          </a:p>
+        </p:txBody>
+      </p:sp>
+      <p:pic>
+        <p:nvPicPr>
+          <p:cNvPr id="3" name="Picture 2">
+            <a:extLst>
+              <a:ext uri="{FF2B5EF4-FFF2-40B4-BE49-F238E27FC236}">
+                <a16:creationId xmlns:a16="http://schemas.microsoft.com/office/drawing/2014/main" id="{A601C83D-8784-46F6-821F-8E32B9A103C6}"/>
+              </a:ext>
+            </a:extLst>
+          </p:cNvPr>
+          <p:cNvPicPr>
+            <a:picLocks noChangeAspect="1"/>
+          </p:cNvPicPr>
+          <p:nvPr/>
+        </p:nvPicPr>
+        <p:blipFill>
+          <a:blip r:embed="rId3"/>
+          <a:stretch>
+            <a:fillRect/>
+          </a:stretch>
+        </p:blipFill>
+        <p:spPr>
+          <a:xfrm>
+            <a:off x="7354078" y="1575494"/>
+            <a:ext cx="3643526" cy="3643526"/>
+          </a:xfrm>
+          <a:prstGeom prst="rect">
+            <a:avLst/>
+          </a:prstGeom>
+        </p:spPr>
+      </p:pic>
+    </p:spTree>
+    <p:extLst>
+      <p:ext uri="{BB962C8B-B14F-4D97-AF65-F5344CB8AC3E}">
+        <p14:creationId xmlns:p14="http://schemas.microsoft.com/office/powerpoint/2010/main" val="3319739047"/>
+      </p:ext>
+    </p:extLst>
+  </p:cSld>
+  <p:clrMapOvr>
+    <a:masterClrMapping/>
+  </p:clrMapOvr>
+</p:sld>
+</file>
+
+<file path=ppt/slides/slide4.xml><?xml version="1.0" encoding="utf-8"?>
+<p:sld xmlns:a="http://schemas.openxmlformats.org/drawingml/2006/main" xmlns:r="http://schemas.openxmlformats.org/officeDocument/2006/relationships" xmlns:p="http://schemas.openxmlformats.org/presentationml/2006/main">
+  <p:cSld>
+    <p:spTree>
+      <p:nvGrpSpPr>
+        <p:cNvPr id="1" name=""/>
+        <p:cNvGrpSpPr/>
+        <p:nvPr/>
+      </p:nvGrpSpPr>
+      <p:grpSpPr>
+        <a:xfrm>
+          <a:off x="0" y="0"/>
+          <a:ext cx="0" cy="0"/>
+          <a:chOff x="0" y="0"/>
+          <a:chExt cx="0" cy="0"/>
+        </a:xfrm>
+      </p:grpSpPr>
+      <p:sp>
+        <p:nvSpPr>
+          <p:cNvPr id="4" name="Title 3" hidden="1">
+            <a:extLst>
+              <a:ext uri="{FF2B5EF4-FFF2-40B4-BE49-F238E27FC236}">
+                <a16:creationId xmlns:a16="http://schemas.microsoft.com/office/drawing/2014/main" id="{B5981CF1-BC08-49F8-B0F9-AAF98EC67450}"/>
+              </a:ext>
+            </a:extLst>
+          </p:cNvPr>
+          <p:cNvSpPr>
+            <a:spLocks noGrp="1"/>
+          </p:cNvSpPr>
+          <p:nvPr>
+            <p:ph type="title" idx="4294967295"/>
+          </p:nvPr>
+        </p:nvSpPr>
+        <p:spPr>
+          <a:xfrm>
+            <a:off x="0" y="365125"/>
+            <a:ext cx="10515600" cy="1325563"/>
+          </a:xfrm>
+        </p:spPr>
+        <p:txBody>
+          <a:bodyPr/>
+          <a:lstStyle/>
+          <a:p>
+            <a:r>
+              <a:rPr lang="en-US" dirty="0"/>
+              <a:t>Project analysis slide 2</a:t>
+            </a:r>
+          </a:p>
+        </p:txBody>
+      </p:sp>
+      <p:cxnSp>
+        <p:nvCxnSpPr>
+          <p:cNvPr id="8" name="Straight Connector 7">
+            <a:extLst>
+              <a:ext uri="{FF2B5EF4-FFF2-40B4-BE49-F238E27FC236}">
+                <a16:creationId xmlns:a16="http://schemas.microsoft.com/office/drawing/2014/main" id="{D0986099-F5F2-4E8B-BE17-81194861A00C}"/>
+              </a:ext>
+              <a:ext uri="{C183D7F6-B498-43B3-948B-1728B52AA6E4}">
+                <adec:decorative xmlns:adec="http://schemas.microsoft.com/office/drawing/2017/decorative" val="1"/>
+              </a:ext>
+            </a:extLst>
+          </p:cNvPr>
+          <p:cNvCxnSpPr>
+            <a:cxnSpLocks/>
+          </p:cNvCxnSpPr>
+          <p:nvPr/>
+        </p:nvCxnSpPr>
+        <p:spPr>
+          <a:xfrm>
             <a:off x="8105775" y="522898"/>
             <a:ext cx="4086225" cy="0"/>
           </a:xfrm>
@@ -8318,7 +10061,7 @@
         <p:spPr>
           <a:xfrm>
             <a:off x="659363" y="1243096"/>
-            <a:ext cx="10873274" cy="5632311"/>
+            <a:ext cx="10873274" cy="5909310"/>
           </a:xfrm>
           <a:prstGeom prst="rect">
             <a:avLst/>
@@ -8336,7 +10079,7 @@
               <a:buChar char="-"/>
             </a:pPr>
             <a:r>
-              <a:rPr lang="en-CA" sz="2800" dirty="0"/>
+              <a:rPr lang="en-CA" sz="3000" dirty="0"/>
               <a:t>Amazon Prime Users</a:t>
             </a:r>
           </a:p>
@@ -8346,11 +10089,11 @@
               <a:buChar char="-"/>
             </a:pPr>
             <a:r>
-              <a:rPr lang="en-CA" sz="2800" b="1" dirty="0"/>
+              <a:rPr lang="en-CA" sz="3000" b="1" dirty="0"/>
               <a:t>2500</a:t>
             </a:r>
             <a:r>
-              <a:rPr lang="en-CA" sz="2800" dirty="0"/>
+              <a:rPr lang="en-CA" sz="3000" dirty="0"/>
               <a:t> Observations</a:t>
             </a:r>
           </a:p>
@@ -8360,15 +10103,15 @@
               <a:buChar char="-"/>
             </a:pPr>
             <a:r>
-              <a:rPr lang="en-US" sz="2800" dirty="0"/>
+              <a:rPr lang="en-US" sz="3000" dirty="0"/>
               <a:t>Each entry in the dataset includes </a:t>
             </a:r>
             <a:r>
-              <a:rPr lang="en-US" sz="2800" b="1" dirty="0"/>
+              <a:rPr lang="en-US" sz="3000" b="1" dirty="0"/>
               <a:t>19</a:t>
             </a:r>
             <a:r>
-              <a:rPr lang="en-US" sz="2800" dirty="0"/>
+              <a:rPr lang="en-US" sz="3000" dirty="0"/>
               <a:t> columns: </a:t>
             </a:r>
           </a:p>
@@ -8378,11 +10121,11 @@
               <a:buChar char="o"/>
             </a:pPr>
             <a:r>
-              <a:rPr lang="en-US" sz="2800" b="1" dirty="0"/>
+              <a:rPr lang="en-US" sz="3000" b="1" dirty="0"/>
               <a:t>Categorical: </a:t>
             </a:r>
             <a:r>
-              <a:rPr lang="en-US" sz="2800" dirty="0"/>
+              <a:rPr lang="en-US" sz="3000" dirty="0"/>
               <a:t>user ID, name, email address, username, date of birth, gender, location, membership start date, membership end date, subscription plan, payment information, renewal status, usage frequency, purchase history, favorite genres, devices used, and engagement metrics. </a:t>
             </a:r>
           </a:p>
@@ -8392,11 +10135,11 @@
               <a:buChar char="o"/>
             </a:pPr>
             <a:r>
-              <a:rPr lang="en-US" sz="2800" b="1" dirty="0"/>
+              <a:rPr lang="en-US" sz="3000" b="1" dirty="0"/>
               <a:t>Nominal: </a:t>
             </a:r>
             <a:r>
-              <a:rPr lang="en-US" sz="2800" dirty="0"/>
+              <a:rPr lang="en-US" sz="3000" dirty="0"/>
               <a:t>feedback/ratings, and customer support interactions.</a:t>
             </a:r>
           </a:p>
@@ -8454,7 +10197,7 @@
 </p:sld>
 </file>
 
-<file path=ppt/slides/slide3.xml><?xml version="1.0" encoding="utf-8"?>
+<file path=ppt/slides/slide5.xml><?xml version="1.0" encoding="utf-8"?>
 <p:sld xmlns:a="http://schemas.openxmlformats.org/drawingml/2006/main" xmlns:r="http://schemas.openxmlformats.org/officeDocument/2006/relationships" xmlns:p="http://schemas.openxmlformats.org/presentationml/2006/main">
   <p:cSld>
     <p:spTree>
@@ -8731,7 +10474,7 @@
 </p:sld>
 </file>
 
-<file path=ppt/slides/slide4.xml><?xml version="1.0" encoding="utf-8"?>
+<file path=ppt/slides/slide6.xml><?xml version="1.0" encoding="utf-8"?>
 <p:sld xmlns:a="http://schemas.openxmlformats.org/drawingml/2006/main" xmlns:r="http://schemas.openxmlformats.org/officeDocument/2006/relationships" xmlns:p="http://schemas.openxmlformats.org/presentationml/2006/main">
   <p:cSld>
     <p:spTree>
@@ -9007,7 +10750,7 @@
 </p:sld>
 </file>
 
-<file path=ppt/slides/slide5.xml><?xml version="1.0" encoding="utf-8"?>
+<file path=ppt/slides/slide7.xml><?xml version="1.0" encoding="utf-8"?>
 <p:sld xmlns:a="http://schemas.openxmlformats.org/drawingml/2006/main" xmlns:r="http://schemas.openxmlformats.org/officeDocument/2006/relationships" xmlns:p="http://schemas.openxmlformats.org/presentationml/2006/main">
   <p:cSld>
     <p:spTree>
@@ -9250,7 +10993,7 @@
         <p:spPr>
           <a:xfrm>
             <a:off x="659363" y="1243096"/>
-            <a:ext cx="10873274" cy="4708981"/>
+            <a:ext cx="10873274" cy="4524315"/>
           </a:xfrm>
           <a:prstGeom prst="rect">
             <a:avLst/>
@@ -9268,17 +11011,7 @@
               <a:buChar char="-"/>
             </a:pPr>
             <a:r>
-              <a:rPr lang="en-US" sz="3200" dirty="0"/>
-              <a:t>Customer Lifetime Value (CLV) Analysis </a:t>
-            </a:r>
-          </a:p>
-          <a:p>
-            <a:pPr marL="285750" indent="-285750">
-              <a:buFontTx/>
-              <a:buChar char="-"/>
-            </a:pPr>
-            <a:r>
-              <a:rPr lang="en-US" sz="3200" dirty="0"/>
+              <a:rPr lang="en-US" sz="3600" dirty="0"/>
               <a:t>The primary goals of this Customer Lifetime Value (CLV) analysis are:</a:t>
             </a:r>
           </a:p>
@@ -9288,7 +11021,7 @@
               <a:buChar char="o"/>
             </a:pPr>
             <a:r>
-              <a:rPr lang="en-CA" sz="3200" b="1" i="0" dirty="0">
+              <a:rPr lang="en-CA" sz="3600" b="1" i="0" dirty="0">
                 <a:solidFill>
                   <a:srgbClr val="0D0D0D"/>
                 </a:solidFill>
@@ -9306,7 +11039,7 @@
               <a:buChar char="o"/>
             </a:pPr>
             <a:r>
-              <a:rPr lang="en-CA" sz="3200" b="1" i="0" dirty="0">
+              <a:rPr lang="en-CA" sz="3600" b="1" i="0" dirty="0">
                 <a:solidFill>
                   <a:srgbClr val="0D0D0D"/>
                 </a:solidFill>
@@ -9317,7 +11050,7 @@
               </a:rPr>
               <a:t>Optimize Marketing Spend</a:t>
             </a:r>
-            <a:endParaRPr lang="en-US" sz="3200" b="1" dirty="0"/>
+            <a:endParaRPr lang="en-US" sz="3600" b="1" dirty="0"/>
           </a:p>
           <a:p>
             <a:pPr marL="914400" lvl="1" indent="-457200">
@@ -9325,7 +11058,7 @@
               <a:buChar char="o"/>
             </a:pPr>
             <a:r>
-              <a:rPr lang="en-CA" sz="3200" b="1" i="0" dirty="0">
+              <a:rPr lang="en-CA" sz="3600" b="1" i="0" dirty="0">
                 <a:solidFill>
                   <a:srgbClr val="0D0D0D"/>
                 </a:solidFill>
@@ -9336,7 +11069,7 @@
               </a:rPr>
               <a:t>Improve Customer Retention</a:t>
             </a:r>
-            <a:endParaRPr lang="en-US" sz="3200" b="1" i="0" dirty="0">
+            <a:endParaRPr lang="en-US" sz="3600" b="1" i="0" dirty="0">
               <a:solidFill>
                 <a:srgbClr val="0D0D0D"/>
               </a:solidFill>
@@ -9400,7 +11133,7 @@
 </p:sld>
 </file>
 
-<file path=ppt/slides/slide6.xml><?xml version="1.0" encoding="utf-8"?>
+<file path=ppt/slides/slide8.xml><?xml version="1.0" encoding="utf-8"?>
 <p:sld xmlns:a="http://schemas.openxmlformats.org/drawingml/2006/main" xmlns:r="http://schemas.openxmlformats.org/officeDocument/2006/relationships" xmlns:p="http://schemas.openxmlformats.org/presentationml/2006/main">
   <p:cSld>
     <p:spTree>
@@ -9726,7 +11459,7 @@
 </p:sld>
 </file>
 
-<file path=ppt/slides/slide7.xml><?xml version="1.0" encoding="utf-8"?>
+<file path=ppt/slides/slide9.xml><?xml version="1.0" encoding="utf-8"?>
 <p:sld xmlns:a="http://schemas.openxmlformats.org/drawingml/2006/main" xmlns:r="http://schemas.openxmlformats.org/officeDocument/2006/relationships" xmlns:p="http://schemas.openxmlformats.org/presentationml/2006/main">
   <p:cSld>
     <p:spTree>
@@ -10097,823 +11830,6 @@
     <p:extLst>
       <p:ext uri="{BB962C8B-B14F-4D97-AF65-F5344CB8AC3E}">
         <p14:creationId xmlns:p14="http://schemas.microsoft.com/office/powerpoint/2010/main" val="2038796520"/>
-      </p:ext>
-    </p:extLst>
-  </p:cSld>
-  <p:clrMapOvr>
-    <a:masterClrMapping/>
-  </p:clrMapOvr>
-</p:sld>
-</file>
-
-<file path=ppt/slides/slide8.xml><?xml version="1.0" encoding="utf-8"?>
-<p:sld xmlns:a="http://schemas.openxmlformats.org/drawingml/2006/main" xmlns:r="http://schemas.openxmlformats.org/officeDocument/2006/relationships" xmlns:p="http://schemas.openxmlformats.org/presentationml/2006/main">
-  <p:cSld>
-    <p:spTree>
-      <p:nvGrpSpPr>
-        <p:cNvPr id="1" name=""/>
-        <p:cNvGrpSpPr/>
-        <p:nvPr/>
-      </p:nvGrpSpPr>
-      <p:grpSpPr>
-        <a:xfrm>
-          <a:off x="0" y="0"/>
-          <a:ext cx="0" cy="0"/>
-          <a:chOff x="0" y="0"/>
-          <a:chExt cx="0" cy="0"/>
-        </a:xfrm>
-      </p:grpSpPr>
-      <p:sp>
-        <p:nvSpPr>
-          <p:cNvPr id="4" name="Title 3" hidden="1">
-            <a:extLst>
-              <a:ext uri="{FF2B5EF4-FFF2-40B4-BE49-F238E27FC236}">
-                <a16:creationId xmlns:a16="http://schemas.microsoft.com/office/drawing/2014/main" id="{B5981CF1-BC08-49F8-B0F9-AAF98EC67450}"/>
-              </a:ext>
-            </a:extLst>
-          </p:cNvPr>
-          <p:cNvSpPr>
-            <a:spLocks noGrp="1"/>
-          </p:cNvSpPr>
-          <p:nvPr>
-            <p:ph type="title" idx="4294967295"/>
-          </p:nvPr>
-        </p:nvSpPr>
-        <p:spPr>
-          <a:xfrm>
-            <a:off x="0" y="365125"/>
-            <a:ext cx="10515600" cy="1325563"/>
-          </a:xfrm>
-        </p:spPr>
-        <p:txBody>
-          <a:bodyPr/>
-          <a:lstStyle/>
-          <a:p>
-            <a:r>
-              <a:rPr lang="en-US" dirty="0"/>
-              <a:t>Project analysis slide 2</a:t>
-            </a:r>
-          </a:p>
-        </p:txBody>
-      </p:sp>
-      <p:cxnSp>
-        <p:nvCxnSpPr>
-          <p:cNvPr id="8" name="Straight Connector 7">
-            <a:extLst>
-              <a:ext uri="{FF2B5EF4-FFF2-40B4-BE49-F238E27FC236}">
-                <a16:creationId xmlns:a16="http://schemas.microsoft.com/office/drawing/2014/main" id="{D0986099-F5F2-4E8B-BE17-81194861A00C}"/>
-              </a:ext>
-              <a:ext uri="{C183D7F6-B498-43B3-948B-1728B52AA6E4}">
-                <adec:decorative xmlns:adec="http://schemas.microsoft.com/office/drawing/2017/decorative" val="1"/>
-              </a:ext>
-            </a:extLst>
-          </p:cNvPr>
-          <p:cNvCxnSpPr>
-            <a:cxnSpLocks/>
-          </p:cNvCxnSpPr>
-          <p:nvPr/>
-        </p:nvCxnSpPr>
-        <p:spPr>
-          <a:xfrm>
-            <a:off x="9162661" y="522898"/>
-            <a:ext cx="3029339" cy="0"/>
-          </a:xfrm>
-          <a:prstGeom prst="line">
-            <a:avLst/>
-          </a:prstGeom>
-          <a:ln>
-            <a:solidFill>
-              <a:schemeClr val="accent3">
-                <a:lumMod val="50000"/>
-              </a:schemeClr>
-            </a:solidFill>
-            <a:headEnd type="oval"/>
-          </a:ln>
-        </p:spPr>
-        <p:style>
-          <a:lnRef idx="1">
-            <a:schemeClr val="accent1"/>
-          </a:lnRef>
-          <a:fillRef idx="0">
-            <a:schemeClr val="accent1"/>
-          </a:fillRef>
-          <a:effectRef idx="0">
-            <a:schemeClr val="accent1"/>
-          </a:effectRef>
-          <a:fontRef idx="minor">
-            <a:schemeClr val="tx1"/>
-          </a:fontRef>
-        </p:style>
-      </p:cxnSp>
-      <p:sp>
-        <p:nvSpPr>
-          <p:cNvPr id="11" name="Title 1">
-            <a:extLst>
-              <a:ext uri="{FF2B5EF4-FFF2-40B4-BE49-F238E27FC236}">
-                <a16:creationId xmlns:a16="http://schemas.microsoft.com/office/drawing/2014/main" id="{4E3F5479-058B-4FA8-92E9-18CAB8CDC5C5}"/>
-              </a:ext>
-            </a:extLst>
-          </p:cNvPr>
-          <p:cNvSpPr txBox="1">
-            <a:spLocks/>
-          </p:cNvSpPr>
-          <p:nvPr/>
-        </p:nvSpPr>
-        <p:spPr>
-          <a:xfrm>
-            <a:off x="228600" y="190499"/>
-            <a:ext cx="10949473" cy="997196"/>
-          </a:xfrm>
-          <a:prstGeom prst="rect">
-            <a:avLst/>
-          </a:prstGeom>
-        </p:spPr>
-        <p:txBody>
-          <a:bodyPr vert="horz" wrap="square" lIns="0" tIns="0" rIns="0" bIns="0" rtlCol="0" anchor="t">
-            <a:spAutoFit/>
-          </a:bodyPr>
-          <a:lstStyle>
-            <a:lvl1pPr algn="l" defTabSz="914400" rtl="0" eaLnBrk="1" latinLnBrk="0" hangingPunct="1">
-              <a:lnSpc>
-                <a:spcPct val="90000"/>
-              </a:lnSpc>
-              <a:spcBef>
-                <a:spcPct val="0"/>
-              </a:spcBef>
-              <a:buNone/>
-              <a:defRPr sz="4400" kern="1200">
-                <a:solidFill>
-                  <a:schemeClr val="tx1"/>
-                </a:solidFill>
-                <a:latin typeface="+mj-lt"/>
-                <a:ea typeface="+mj-ea"/>
-                <a:cs typeface="+mj-cs"/>
-              </a:defRPr>
-            </a:lvl1pPr>
-          </a:lstStyle>
-          <a:p>
-            <a:pPr algn="ctr"/>
-            <a:r>
-              <a:rPr lang="en-US" b="1" dirty="0">
-                <a:solidFill>
-                  <a:schemeClr val="tx1">
-                    <a:lumMod val="75000"/>
-                    <a:lumOff val="25000"/>
-                  </a:schemeClr>
-                </a:solidFill>
-              </a:rPr>
-              <a:t>SEGMENT CUSTOMERS</a:t>
-            </a:r>
-            <a:br>
-              <a:rPr lang="en-US" sz="2800" dirty="0">
-                <a:solidFill>
-                  <a:schemeClr val="tx1">
-                    <a:lumMod val="75000"/>
-                    <a:lumOff val="25000"/>
-                  </a:schemeClr>
-                </a:solidFill>
-              </a:rPr>
-            </a:br>
-            <a:endParaRPr lang="en-US" sz="2800" dirty="0">
-              <a:solidFill>
-                <a:schemeClr val="tx1">
-                  <a:lumMod val="75000"/>
-                  <a:lumOff val="25000"/>
-                </a:schemeClr>
-              </a:solidFill>
-            </a:endParaRPr>
-          </a:p>
-        </p:txBody>
-      </p:sp>
-      <p:cxnSp>
-        <p:nvCxnSpPr>
-          <p:cNvPr id="14" name="Straight Connector 13">
-            <a:extLst>
-              <a:ext uri="{FF2B5EF4-FFF2-40B4-BE49-F238E27FC236}">
-                <a16:creationId xmlns:a16="http://schemas.microsoft.com/office/drawing/2014/main" id="{83E690F4-843A-47A5-8620-4FB01C0D8E68}"/>
-              </a:ext>
-              <a:ext uri="{C183D7F6-B498-43B3-948B-1728B52AA6E4}">
-                <adec:decorative xmlns:adec="http://schemas.microsoft.com/office/drawing/2017/decorative" val="1"/>
-              </a:ext>
-            </a:extLst>
-          </p:cNvPr>
-          <p:cNvCxnSpPr>
-            <a:cxnSpLocks/>
-          </p:cNvCxnSpPr>
-          <p:nvPr/>
-        </p:nvCxnSpPr>
-        <p:spPr>
-          <a:xfrm>
-            <a:off x="0" y="522898"/>
-            <a:ext cx="2528596" cy="0"/>
-          </a:xfrm>
-          <a:prstGeom prst="line">
-            <a:avLst/>
-          </a:prstGeom>
-          <a:ln>
-            <a:solidFill>
-              <a:schemeClr val="accent3">
-                <a:lumMod val="50000"/>
-              </a:schemeClr>
-            </a:solidFill>
-            <a:tailEnd type="oval"/>
-          </a:ln>
-        </p:spPr>
-        <p:style>
-          <a:lnRef idx="1">
-            <a:schemeClr val="accent1"/>
-          </a:lnRef>
-          <a:fillRef idx="0">
-            <a:schemeClr val="accent1"/>
-          </a:fillRef>
-          <a:effectRef idx="0">
-            <a:schemeClr val="accent1"/>
-          </a:effectRef>
-          <a:fontRef idx="minor">
-            <a:schemeClr val="tx1"/>
-          </a:fontRef>
-        </p:style>
-      </p:cxnSp>
-      <p:sp>
-        <p:nvSpPr>
-          <p:cNvPr id="2" name="TextBox 1">
-            <a:extLst>
-              <a:ext uri="{FF2B5EF4-FFF2-40B4-BE49-F238E27FC236}">
-                <a16:creationId xmlns:a16="http://schemas.microsoft.com/office/drawing/2014/main" id="{B802F2D6-7375-B2F7-DCBC-8A0645D2C42E}"/>
-              </a:ext>
-            </a:extLst>
-          </p:cNvPr>
-          <p:cNvSpPr txBox="1"/>
-          <p:nvPr/>
-        </p:nvSpPr>
-        <p:spPr>
-          <a:xfrm>
-            <a:off x="659363" y="1243096"/>
-            <a:ext cx="10873274" cy="7171194"/>
-          </a:xfrm>
-          <a:prstGeom prst="rect">
-            <a:avLst/>
-          </a:prstGeom>
-          <a:noFill/>
-        </p:spPr>
-        <p:txBody>
-          <a:bodyPr wrap="square" rtlCol="0">
-            <a:spAutoFit/>
-          </a:bodyPr>
-          <a:lstStyle/>
-          <a:p>
-            <a:pPr marL="285750" indent="-285750">
-              <a:buFontTx/>
-              <a:buChar char="-"/>
-            </a:pPr>
-            <a:r>
-              <a:rPr lang="en-US" sz="3200" b="1" dirty="0">
-                <a:highlight>
-                  <a:srgbClr val="FFFFFF"/>
-                </a:highlight>
-              </a:rPr>
-              <a:t>High-Value Segments identified:</a:t>
-            </a:r>
-          </a:p>
-          <a:p>
-            <a:pPr marL="457200" indent="-457200">
-              <a:buFont typeface="Courier New" panose="02070309020205020404" pitchFamily="49" charset="0"/>
-              <a:buChar char="o"/>
-            </a:pPr>
-            <a:r>
-              <a:rPr lang="en-US" sz="3200" b="1" i="0" dirty="0">
-                <a:effectLst/>
-              </a:rPr>
-              <a:t>Monthly Subscribers:</a:t>
-            </a:r>
-            <a:r>
-              <a:rPr lang="en-US" sz="3200" b="0" i="0" dirty="0">
-                <a:effectLst/>
-              </a:rPr>
-              <a:t> Monthly subscribers have a higher CLV than annual subscribers.</a:t>
-            </a:r>
-            <a:endParaRPr lang="en-US" sz="3200" dirty="0"/>
-          </a:p>
-          <a:p>
-            <a:pPr marL="457200" indent="-457200">
-              <a:buFont typeface="Courier New" panose="02070309020205020404" pitchFamily="49" charset="0"/>
-              <a:buChar char="o"/>
-            </a:pPr>
-            <a:r>
-              <a:rPr lang="en-US" sz="3200" b="1" i="0" dirty="0">
-                <a:effectLst/>
-              </a:rPr>
-              <a:t>Electronics Buyers</a:t>
-            </a:r>
-            <a:r>
-              <a:rPr lang="en-US" sz="3200" b="0" i="0" dirty="0">
-                <a:effectLst/>
-              </a:rPr>
-              <a:t>: Of the three categories of products offered, Electronics buyers have the highest CLV but this is no surprise with electronics having higher prices than books and clothing</a:t>
-            </a:r>
-          </a:p>
-          <a:p>
-            <a:pPr marL="457200" indent="-457200">
-              <a:buFont typeface="Courier New" panose="02070309020205020404" pitchFamily="49" charset="0"/>
-              <a:buChar char="o"/>
-            </a:pPr>
-            <a:r>
-              <a:rPr lang="en-US" sz="3200" b="1" i="0" dirty="0">
-                <a:effectLst/>
-              </a:rPr>
-              <a:t>Genres:</a:t>
-            </a:r>
-            <a:r>
-              <a:rPr lang="en-US" sz="3200" b="0" i="0" dirty="0">
-                <a:effectLst/>
-              </a:rPr>
-              <a:t> </a:t>
-            </a:r>
-            <a:r>
-              <a:rPr lang="en-US" sz="3200" b="0" i="0" dirty="0">
-                <a:solidFill>
-                  <a:srgbClr val="000000"/>
-                </a:solidFill>
-                <a:effectLst/>
-              </a:rPr>
-              <a:t>There are also top genres which include action, horror, documentary and romance to be focused on.</a:t>
-            </a:r>
-            <a:endParaRPr lang="en-US" sz="3200" dirty="0"/>
-          </a:p>
-          <a:p>
-            <a:pPr marL="285750" indent="-285750">
-              <a:buFontTx/>
-              <a:buChar char="-"/>
-            </a:pPr>
-            <a:endParaRPr lang="en-US" sz="3200" b="1" dirty="0">
-              <a:solidFill>
-                <a:srgbClr val="0D0D0D"/>
-              </a:solidFill>
-              <a:highlight>
-                <a:srgbClr val="FFFFFF"/>
-              </a:highlight>
-            </a:endParaRPr>
-          </a:p>
-          <a:p>
-            <a:pPr marL="285750" indent="-285750">
-              <a:buFontTx/>
-              <a:buChar char="-"/>
-            </a:pPr>
-            <a:endParaRPr lang="en-US" sz="3200" b="1" dirty="0"/>
-          </a:p>
-          <a:p>
-            <a:pPr lvl="1"/>
-            <a:endParaRPr lang="en-US" dirty="0"/>
-          </a:p>
-          <a:p>
-            <a:pPr marL="285750" indent="-285750">
-              <a:buFontTx/>
-              <a:buChar char="-"/>
-            </a:pPr>
-            <a:endParaRPr lang="en-US" dirty="0"/>
-          </a:p>
-          <a:p>
-            <a:pPr marL="285750" indent="-285750">
-              <a:buFontTx/>
-              <a:buChar char="-"/>
-            </a:pPr>
-            <a:endParaRPr lang="en-US" dirty="0"/>
-          </a:p>
-          <a:p>
-            <a:pPr marL="285750" indent="-285750">
-              <a:buFontTx/>
-              <a:buChar char="-"/>
-            </a:pPr>
-            <a:endParaRPr lang="en-US" dirty="0"/>
-          </a:p>
-          <a:p>
-            <a:pPr marL="285750" indent="-285750">
-              <a:buFontTx/>
-              <a:buChar char="-"/>
-            </a:pPr>
-            <a:endParaRPr lang="en-US" dirty="0"/>
-          </a:p>
-          <a:p>
-            <a:pPr marL="285750" indent="-285750">
-              <a:buFontTx/>
-              <a:buChar char="-"/>
-            </a:pPr>
-            <a:endParaRPr lang="en-CA" dirty="0"/>
-          </a:p>
-        </p:txBody>
-      </p:sp>
-    </p:spTree>
-    <p:extLst>
-      <p:ext uri="{BB962C8B-B14F-4D97-AF65-F5344CB8AC3E}">
-        <p14:creationId xmlns:p14="http://schemas.microsoft.com/office/powerpoint/2010/main" val="3698173141"/>
-      </p:ext>
-    </p:extLst>
-  </p:cSld>
-  <p:clrMapOvr>
-    <a:masterClrMapping/>
-  </p:clrMapOvr>
-</p:sld>
-</file>
-
-<file path=ppt/slides/slide9.xml><?xml version="1.0" encoding="utf-8"?>
-<p:sld xmlns:a="http://schemas.openxmlformats.org/drawingml/2006/main" xmlns:r="http://schemas.openxmlformats.org/officeDocument/2006/relationships" xmlns:p="http://schemas.openxmlformats.org/presentationml/2006/main">
-  <p:cSld>
-    <p:spTree>
-      <p:nvGrpSpPr>
-        <p:cNvPr id="1" name=""/>
-        <p:cNvGrpSpPr/>
-        <p:nvPr/>
-      </p:nvGrpSpPr>
-      <p:grpSpPr>
-        <a:xfrm>
-          <a:off x="0" y="0"/>
-          <a:ext cx="0" cy="0"/>
-          <a:chOff x="0" y="0"/>
-          <a:chExt cx="0" cy="0"/>
-        </a:xfrm>
-      </p:grpSpPr>
-      <p:sp>
-        <p:nvSpPr>
-          <p:cNvPr id="4" name="Title 3" hidden="1">
-            <a:extLst>
-              <a:ext uri="{FF2B5EF4-FFF2-40B4-BE49-F238E27FC236}">
-                <a16:creationId xmlns:a16="http://schemas.microsoft.com/office/drawing/2014/main" id="{B5981CF1-BC08-49F8-B0F9-AAF98EC67450}"/>
-              </a:ext>
-            </a:extLst>
-          </p:cNvPr>
-          <p:cNvSpPr>
-            <a:spLocks noGrp="1"/>
-          </p:cNvSpPr>
-          <p:nvPr>
-            <p:ph type="title" idx="4294967295"/>
-          </p:nvPr>
-        </p:nvSpPr>
-        <p:spPr>
-          <a:xfrm>
-            <a:off x="0" y="365125"/>
-            <a:ext cx="10515600" cy="1325563"/>
-          </a:xfrm>
-        </p:spPr>
-        <p:txBody>
-          <a:bodyPr/>
-          <a:lstStyle/>
-          <a:p>
-            <a:r>
-              <a:rPr lang="en-US" dirty="0"/>
-              <a:t>Project analysis slide 2</a:t>
-            </a:r>
-          </a:p>
-        </p:txBody>
-      </p:sp>
-      <p:cxnSp>
-        <p:nvCxnSpPr>
-          <p:cNvPr id="8" name="Straight Connector 7">
-            <a:extLst>
-              <a:ext uri="{FF2B5EF4-FFF2-40B4-BE49-F238E27FC236}">
-                <a16:creationId xmlns:a16="http://schemas.microsoft.com/office/drawing/2014/main" id="{D0986099-F5F2-4E8B-BE17-81194861A00C}"/>
-              </a:ext>
-              <a:ext uri="{C183D7F6-B498-43B3-948B-1728B52AA6E4}">
-                <adec:decorative xmlns:adec="http://schemas.microsoft.com/office/drawing/2017/decorative" val="1"/>
-              </a:ext>
-            </a:extLst>
-          </p:cNvPr>
-          <p:cNvCxnSpPr>
-            <a:cxnSpLocks/>
-          </p:cNvCxnSpPr>
-          <p:nvPr/>
-        </p:nvCxnSpPr>
-        <p:spPr>
-          <a:xfrm>
-            <a:off x="9162661" y="522898"/>
-            <a:ext cx="3029339" cy="0"/>
-          </a:xfrm>
-          <a:prstGeom prst="line">
-            <a:avLst/>
-          </a:prstGeom>
-          <a:ln>
-            <a:solidFill>
-              <a:schemeClr val="accent3">
-                <a:lumMod val="50000"/>
-              </a:schemeClr>
-            </a:solidFill>
-            <a:headEnd type="oval"/>
-          </a:ln>
-        </p:spPr>
-        <p:style>
-          <a:lnRef idx="1">
-            <a:schemeClr val="accent1"/>
-          </a:lnRef>
-          <a:fillRef idx="0">
-            <a:schemeClr val="accent1"/>
-          </a:fillRef>
-          <a:effectRef idx="0">
-            <a:schemeClr val="accent1"/>
-          </a:effectRef>
-          <a:fontRef idx="minor">
-            <a:schemeClr val="tx1"/>
-          </a:fontRef>
-        </p:style>
-      </p:cxnSp>
-      <p:sp>
-        <p:nvSpPr>
-          <p:cNvPr id="11" name="Title 1">
-            <a:extLst>
-              <a:ext uri="{FF2B5EF4-FFF2-40B4-BE49-F238E27FC236}">
-                <a16:creationId xmlns:a16="http://schemas.microsoft.com/office/drawing/2014/main" id="{4E3F5479-058B-4FA8-92E9-18CAB8CDC5C5}"/>
-              </a:ext>
-            </a:extLst>
-          </p:cNvPr>
-          <p:cNvSpPr txBox="1">
-            <a:spLocks/>
-          </p:cNvSpPr>
-          <p:nvPr/>
-        </p:nvSpPr>
-        <p:spPr>
-          <a:xfrm>
-            <a:off x="228600" y="190499"/>
-            <a:ext cx="10949473" cy="886397"/>
-          </a:xfrm>
-          <a:prstGeom prst="rect">
-            <a:avLst/>
-          </a:prstGeom>
-        </p:spPr>
-        <p:txBody>
-          <a:bodyPr vert="horz" wrap="square" lIns="0" tIns="0" rIns="0" bIns="0" rtlCol="0" anchor="t">
-            <a:spAutoFit/>
-          </a:bodyPr>
-          <a:lstStyle>
-            <a:lvl1pPr algn="l" defTabSz="914400" rtl="0" eaLnBrk="1" latinLnBrk="0" hangingPunct="1">
-              <a:lnSpc>
-                <a:spcPct val="90000"/>
-              </a:lnSpc>
-              <a:spcBef>
-                <a:spcPct val="0"/>
-              </a:spcBef>
-              <a:buNone/>
-              <a:defRPr sz="4400" kern="1200">
-                <a:solidFill>
-                  <a:schemeClr val="tx1"/>
-                </a:solidFill>
-                <a:latin typeface="+mj-lt"/>
-                <a:ea typeface="+mj-ea"/>
-                <a:cs typeface="+mj-cs"/>
-              </a:defRPr>
-            </a:lvl1pPr>
-          </a:lstStyle>
-          <a:p>
-            <a:pPr algn="ctr"/>
-            <a:r>
-              <a:rPr lang="en-US" sz="3600" b="1" dirty="0">
-                <a:solidFill>
-                  <a:schemeClr val="tx1">
-                    <a:lumMod val="75000"/>
-                    <a:lumOff val="25000"/>
-                  </a:schemeClr>
-                </a:solidFill>
-              </a:rPr>
-              <a:t>OPTIMIZE MARKET SPENDING</a:t>
-            </a:r>
-            <a:br>
-              <a:rPr lang="en-US" sz="2800" dirty="0">
-                <a:solidFill>
-                  <a:schemeClr val="tx1">
-                    <a:lumMod val="75000"/>
-                    <a:lumOff val="25000"/>
-                  </a:schemeClr>
-                </a:solidFill>
-              </a:rPr>
-            </a:br>
-            <a:endParaRPr lang="en-US" sz="2800" dirty="0">
-              <a:solidFill>
-                <a:schemeClr val="tx1">
-                  <a:lumMod val="75000"/>
-                  <a:lumOff val="25000"/>
-                </a:schemeClr>
-              </a:solidFill>
-            </a:endParaRPr>
-          </a:p>
-        </p:txBody>
-      </p:sp>
-      <p:cxnSp>
-        <p:nvCxnSpPr>
-          <p:cNvPr id="14" name="Straight Connector 13">
-            <a:extLst>
-              <a:ext uri="{FF2B5EF4-FFF2-40B4-BE49-F238E27FC236}">
-                <a16:creationId xmlns:a16="http://schemas.microsoft.com/office/drawing/2014/main" id="{83E690F4-843A-47A5-8620-4FB01C0D8E68}"/>
-              </a:ext>
-              <a:ext uri="{C183D7F6-B498-43B3-948B-1728B52AA6E4}">
-                <adec:decorative xmlns:adec="http://schemas.microsoft.com/office/drawing/2017/decorative" val="1"/>
-              </a:ext>
-            </a:extLst>
-          </p:cNvPr>
-          <p:cNvCxnSpPr>
-            <a:cxnSpLocks/>
-          </p:cNvCxnSpPr>
-          <p:nvPr/>
-        </p:nvCxnSpPr>
-        <p:spPr>
-          <a:xfrm>
-            <a:off x="0" y="522898"/>
-            <a:ext cx="2351314" cy="0"/>
-          </a:xfrm>
-          <a:prstGeom prst="line">
-            <a:avLst/>
-          </a:prstGeom>
-          <a:ln>
-            <a:solidFill>
-              <a:schemeClr val="accent3">
-                <a:lumMod val="50000"/>
-              </a:schemeClr>
-            </a:solidFill>
-            <a:tailEnd type="oval"/>
-          </a:ln>
-        </p:spPr>
-        <p:style>
-          <a:lnRef idx="1">
-            <a:schemeClr val="accent1"/>
-          </a:lnRef>
-          <a:fillRef idx="0">
-            <a:schemeClr val="accent1"/>
-          </a:fillRef>
-          <a:effectRef idx="0">
-            <a:schemeClr val="accent1"/>
-          </a:effectRef>
-          <a:fontRef idx="minor">
-            <a:schemeClr val="tx1"/>
-          </a:fontRef>
-        </p:style>
-      </p:cxnSp>
-      <p:sp>
-        <p:nvSpPr>
-          <p:cNvPr id="2" name="TextBox 1">
-            <a:extLst>
-              <a:ext uri="{FF2B5EF4-FFF2-40B4-BE49-F238E27FC236}">
-                <a16:creationId xmlns:a16="http://schemas.microsoft.com/office/drawing/2014/main" id="{B802F2D6-7375-B2F7-DCBC-8A0645D2C42E}"/>
-              </a:ext>
-            </a:extLst>
-          </p:cNvPr>
-          <p:cNvSpPr txBox="1"/>
-          <p:nvPr/>
-        </p:nvSpPr>
-        <p:spPr>
-          <a:xfrm>
-            <a:off x="659363" y="1243096"/>
-            <a:ext cx="10873274" cy="6186309"/>
-          </a:xfrm>
-          <a:prstGeom prst="rect">
-            <a:avLst/>
-          </a:prstGeom>
-          <a:noFill/>
-        </p:spPr>
-        <p:txBody>
-          <a:bodyPr wrap="square" rtlCol="0">
-            <a:spAutoFit/>
-          </a:bodyPr>
-          <a:lstStyle/>
-          <a:p>
-            <a:pPr marL="285750" indent="-285750">
-              <a:buFontTx/>
-              <a:buChar char="-"/>
-            </a:pPr>
-            <a:r>
-              <a:rPr lang="en-US" sz="3200" b="0" i="0" dirty="0">
-                <a:solidFill>
-                  <a:srgbClr val="000000"/>
-                </a:solidFill>
-                <a:effectLst/>
-              </a:rPr>
-              <a:t>Concentration should be put on </a:t>
-            </a:r>
-            <a:r>
-              <a:rPr lang="en-US" sz="3200" b="1" i="0" dirty="0">
-                <a:solidFill>
-                  <a:srgbClr val="000000"/>
-                </a:solidFill>
-                <a:effectLst/>
-              </a:rPr>
-              <a:t>making responsive content and providing a seamless user experience</a:t>
-            </a:r>
-            <a:r>
-              <a:rPr lang="en-US" sz="3200" b="0" i="0" dirty="0">
-                <a:solidFill>
-                  <a:srgbClr val="000000"/>
-                </a:solidFill>
-                <a:effectLst/>
-              </a:rPr>
-              <a:t> regardless of the device being used.</a:t>
-            </a:r>
-          </a:p>
-          <a:p>
-            <a:pPr marL="285750" indent="-285750">
-              <a:buFontTx/>
-              <a:buChar char="-"/>
-            </a:pPr>
-            <a:r>
-              <a:rPr lang="en-US" sz="3200" b="1" dirty="0">
-                <a:solidFill>
-                  <a:srgbClr val="000000"/>
-                </a:solidFill>
-              </a:rPr>
-              <a:t>I</a:t>
-            </a:r>
-            <a:r>
-              <a:rPr lang="en-US" sz="3200" b="1" i="0" dirty="0">
-                <a:solidFill>
-                  <a:srgbClr val="000000"/>
-                </a:solidFill>
-                <a:effectLst/>
-              </a:rPr>
-              <a:t>ncreasing electronics sales </a:t>
-            </a:r>
-            <a:r>
-              <a:rPr lang="en-US" sz="3200" b="0" i="0" dirty="0">
-                <a:solidFill>
-                  <a:srgbClr val="000000"/>
-                </a:solidFill>
-                <a:effectLst/>
-              </a:rPr>
-              <a:t>through warranty coverage or exclusive deals and promotions, and the second highest category, books. </a:t>
-            </a:r>
-          </a:p>
-          <a:p>
-            <a:pPr marL="285750" indent="-285750">
-              <a:buFontTx/>
-              <a:buChar char="-"/>
-            </a:pPr>
-            <a:r>
-              <a:rPr lang="en-US" sz="3200" b="0" i="0" dirty="0">
-                <a:solidFill>
-                  <a:srgbClr val="000000"/>
-                </a:solidFill>
-                <a:effectLst/>
-              </a:rPr>
-              <a:t>More resources should be used to </a:t>
-            </a:r>
-            <a:r>
-              <a:rPr lang="en-US" sz="3200" b="1" i="0" dirty="0">
-                <a:solidFill>
-                  <a:srgbClr val="000000"/>
-                </a:solidFill>
-                <a:effectLst/>
-              </a:rPr>
-              <a:t>acquire and market content from these specific genres</a:t>
-            </a:r>
-            <a:r>
-              <a:rPr lang="en-US" sz="3200" b="0" i="0" dirty="0">
-                <a:solidFill>
-                  <a:srgbClr val="000000"/>
-                </a:solidFill>
-                <a:effectLst/>
-              </a:rPr>
-              <a:t> and launch marketing campaigns specifically tailored to promote the content. </a:t>
-            </a:r>
-            <a:endParaRPr lang="en-US" sz="3200" b="1" dirty="0"/>
-          </a:p>
-          <a:p>
-            <a:pPr lvl="1"/>
-            <a:endParaRPr lang="en-US" dirty="0"/>
-          </a:p>
-          <a:p>
-            <a:pPr marL="285750" indent="-285750">
-              <a:buFontTx/>
-              <a:buChar char="-"/>
-            </a:pPr>
-            <a:endParaRPr lang="en-US" dirty="0"/>
-          </a:p>
-          <a:p>
-            <a:pPr marL="285750" indent="-285750">
-              <a:buFontTx/>
-              <a:buChar char="-"/>
-            </a:pPr>
-            <a:endParaRPr lang="en-US" dirty="0"/>
-          </a:p>
-          <a:p>
-            <a:pPr marL="285750" indent="-285750">
-              <a:buFontTx/>
-              <a:buChar char="-"/>
-            </a:pPr>
-            <a:endParaRPr lang="en-US" dirty="0"/>
-          </a:p>
-          <a:p>
-            <a:pPr marL="285750" indent="-285750">
-              <a:buFontTx/>
-              <a:buChar char="-"/>
-            </a:pPr>
-            <a:endParaRPr lang="en-US" dirty="0"/>
-          </a:p>
-          <a:p>
-            <a:pPr marL="285750" indent="-285750">
-              <a:buFontTx/>
-              <a:buChar char="-"/>
-            </a:pPr>
-            <a:endParaRPr lang="en-CA" dirty="0"/>
-          </a:p>
-        </p:txBody>
-      </p:sp>
-    </p:spTree>
-    <p:extLst>
-      <p:ext uri="{BB962C8B-B14F-4D97-AF65-F5344CB8AC3E}">
-        <p14:creationId xmlns:p14="http://schemas.microsoft.com/office/powerpoint/2010/main" val="4293131758"/>
       </p:ext>
     </p:extLst>
   </p:cSld>
@@ -11715,15 +12631,6 @@
 </file>
 
 <file path=customXml/item1.xml><?xml version="1.0" encoding="utf-8"?>
-<?mso-contentType ?>
-<FormTemplates xmlns="http://schemas.microsoft.com/sharepoint/v3/contenttype/forms">
-  <Display>DocumentLibraryForm</Display>
-  <Edit>DocumentLibraryForm</Edit>
-  <New>DocumentLibraryForm</New>
-</FormTemplates>
-</file>
-
-<file path=customXml/item2.xml><?xml version="1.0" encoding="utf-8"?>
 <ct:contentTypeSchema xmlns:ct="http://schemas.microsoft.com/office/2006/metadata/contentType" xmlns:ma="http://schemas.microsoft.com/office/2006/metadata/properties/metaAttributes" ct:_="" ma:_="" ma:contentTypeName="Document" ma:contentTypeID="0x01010079F111ED35F8CC479449609E8A0923A6" ma:contentTypeVersion="11" ma:contentTypeDescription="Create a new document." ma:contentTypeScope="" ma:versionID="9677210f24a1be23c92c90fd886aa0aa">
   <xsd:schema xmlns:xsd="http://www.w3.org/2001/XMLSchema" xmlns:xs="http://www.w3.org/2001/XMLSchema" xmlns:p="http://schemas.microsoft.com/office/2006/metadata/properties" xmlns:ns2="71af3243-3dd4-4a8d-8c0d-dd76da1f02a5" xmlns:ns3="16c05727-aa75-4e4a-9b5f-8a80a1165891" targetNamespace="http://schemas.microsoft.com/office/2006/metadata/properties" ma:root="true" ma:fieldsID="60e05723c5c1908df1a1a4ebf11d344e" ns2:_="" ns3:_="">
     <xsd:import namespace="71af3243-3dd4-4a8d-8c0d-dd76da1f02a5"/>
@@ -11934,6 +12841,15 @@
 </ct:contentTypeSchema>
 </file>
 
+<file path=customXml/item2.xml><?xml version="1.0" encoding="utf-8"?>
+<?mso-contentType ?>
+<FormTemplates xmlns="http://schemas.microsoft.com/sharepoint/v3/contenttype/forms">
+  <Display>DocumentLibraryForm</Display>
+  <Edit>DocumentLibraryForm</Edit>
+  <New>DocumentLibraryForm</New>
+</FormTemplates>
+</file>
+
 <file path=customXml/item3.xml><?xml version="1.0" encoding="utf-8"?>
 <p:properties xmlns:p="http://schemas.microsoft.com/office/2006/metadata/properties" xmlns:xsi="http://www.w3.org/2001/XMLSchema-instance" xmlns:pc="http://schemas.microsoft.com/office/infopath/2007/PartnerControls">
   <documentManagement>
@@ -11943,14 +12859,6 @@
 </file>
 
 <file path=customXml/itemProps1.xml><?xml version="1.0" encoding="utf-8"?>
-<ds:datastoreItem xmlns:ds="http://schemas.openxmlformats.org/officeDocument/2006/customXml" ds:itemID="{2FD05317-60D6-4B3A-8545-888496D1A8EC}">
-  <ds:schemaRefs>
-    <ds:schemaRef ds:uri="http://schemas.microsoft.com/sharepoint/v3/contenttype/forms"/>
-  </ds:schemaRefs>
-</ds:datastoreItem>
-</file>
-
-<file path=customXml/itemProps2.xml><?xml version="1.0" encoding="utf-8"?>
 <ds:datastoreItem xmlns:ds="http://schemas.openxmlformats.org/officeDocument/2006/customXml" ds:itemID="{61A00BBF-EEBB-4E18-B8CB-F926EAAC48F7}">
   <ds:schemaRefs>
     <ds:schemaRef ds:uri="http://schemas.microsoft.com/office/2006/metadata/contentType"/>
@@ -11969,6 +12877,14 @@
 </ds:datastoreItem>
 </file>
 
+<file path=customXml/itemProps2.xml><?xml version="1.0" encoding="utf-8"?>
+<ds:datastoreItem xmlns:ds="http://schemas.openxmlformats.org/officeDocument/2006/customXml" ds:itemID="{2FD05317-60D6-4B3A-8545-888496D1A8EC}">
+  <ds:schemaRefs>
+    <ds:schemaRef ds:uri="http://schemas.microsoft.com/sharepoint/v3/contenttype/forms"/>
+  </ds:schemaRefs>
+</ds:datastoreItem>
+</file>
+
 <file path=customXml/itemProps3.xml><?xml version="1.0" encoding="utf-8"?>
 <ds:datastoreItem xmlns:ds="http://schemas.openxmlformats.org/officeDocument/2006/customXml" ds:itemID="{EF609EDA-869E-4BE5-AE5D-B898C584B6FF}">
   <ds:schemaRefs>
